--- a/class_diagram.pptx
+++ b/class_diagram.pptx
@@ -4,6 +4,9 @@
   <p:sldMasterIdLst>
     <p:sldMasterId id="2147483648" r:id="rId1"/>
   </p:sldMasterIdLst>
+  <p:notesMasterIdLst>
+    <p:notesMasterId r:id="rId4"/>
+  </p:notesMasterIdLst>
   <p:sldIdLst>
     <p:sldId id="256" r:id="rId2"/>
     <p:sldId id="257" r:id="rId3"/>
@@ -105,7 +108,595 @@
       </a:defRPr>
     </a:lvl9pPr>
   </p:defaultTextStyle>
+  <p:extLst>
+    <p:ext uri="{EFAFB233-063F-42B5-8137-9DF3F51BA10A}">
+      <p15:sldGuideLst xmlns:p15="http://schemas.microsoft.com/office/powerpoint/2012/main"/>
+    </p:ext>
+  </p:extLst>
 </p:presentation>
+</file>
+
+<file path=ppt/revisionInfo.xml><?xml version="1.0" encoding="utf-8"?>
+<p1510:revInfo xmlns:a="http://schemas.openxmlformats.org/drawingml/2006/main" xmlns:r="http://schemas.openxmlformats.org/officeDocument/2006/relationships" xmlns:p1510="http://schemas.microsoft.com/office/powerpoint/2015/10/main">
+  <p1510:revLst>
+    <p1510:client id="{0493365D-7B9D-47F5-8B38-0CB82671225E}" v="16" dt="2019-11-18T13:09:27.988"/>
+  </p1510:revLst>
+</p1510:revInfo>
+</file>
+
+<file path=ppt/changesInfos/changesInfo1.xml><?xml version="1.0" encoding="utf-8"?>
+<pc:chgInfo xmlns:a="http://schemas.openxmlformats.org/drawingml/2006/main" xmlns:r="http://schemas.openxmlformats.org/officeDocument/2006/relationships" xmlns:ac="http://schemas.microsoft.com/office/drawing/2013/main/command" xmlns:pc="http://schemas.microsoft.com/office/powerpoint/2013/main/command">
+  <pc:docChgLst>
+    <pc:chgData name="Penelope Chua" userId="a89798672054a88d" providerId="LiveId" clId="{0493365D-7B9D-47F5-8B38-0CB82671225E}"/>
+    <pc:docChg chg="undo custSel modSld">
+      <pc:chgData name="Penelope Chua" userId="a89798672054a88d" providerId="LiveId" clId="{0493365D-7B9D-47F5-8B38-0CB82671225E}" dt="2019-11-18T13:09:27.987" v="317" actId="164"/>
+      <pc:docMkLst>
+        <pc:docMk/>
+      </pc:docMkLst>
+      <pc:sldChg chg="addSp delSp modSp">
+        <pc:chgData name="Penelope Chua" userId="a89798672054a88d" providerId="LiveId" clId="{0493365D-7B9D-47F5-8B38-0CB82671225E}" dt="2019-11-18T13:09:27.987" v="317" actId="164"/>
+        <pc:sldMkLst>
+          <pc:docMk/>
+          <pc:sldMk cId="3997828206" sldId="256"/>
+        </pc:sldMkLst>
+        <pc:spChg chg="add del mod">
+          <ac:chgData name="Penelope Chua" userId="a89798672054a88d" providerId="LiveId" clId="{0493365D-7B9D-47F5-8B38-0CB82671225E}" dt="2019-11-18T12:58:23.942" v="1" actId="478"/>
+          <ac:spMkLst>
+            <pc:docMk/>
+            <pc:sldMk cId="3997828206" sldId="256"/>
+            <ac:spMk id="2" creationId="{EAFC0E1C-78C3-4262-BBA9-409208626191}"/>
+          </ac:spMkLst>
+        </pc:spChg>
+        <pc:spChg chg="add del mod">
+          <ac:chgData name="Penelope Chua" userId="a89798672054a88d" providerId="LiveId" clId="{0493365D-7B9D-47F5-8B38-0CB82671225E}" dt="2019-11-18T12:58:33.607" v="3" actId="478"/>
+          <ac:spMkLst>
+            <pc:docMk/>
+            <pc:sldMk cId="3997828206" sldId="256"/>
+            <ac:spMk id="3" creationId="{5FAF3E6B-317F-4602-AE4D-D0EF5357A74D}"/>
+          </ac:spMkLst>
+        </pc:spChg>
+        <pc:spChg chg="add del mod">
+          <ac:chgData name="Penelope Chua" userId="a89798672054a88d" providerId="LiveId" clId="{0493365D-7B9D-47F5-8B38-0CB82671225E}" dt="2019-11-18T13:01:47.473" v="32" actId="478"/>
+          <ac:spMkLst>
+            <pc:docMk/>
+            <pc:sldMk cId="3997828206" sldId="256"/>
+            <ac:spMk id="7" creationId="{49DA3587-487D-415D-94E8-78DBEBE17A36}"/>
+          </ac:spMkLst>
+        </pc:spChg>
+        <pc:spChg chg="add mod topLvl">
+          <ac:chgData name="Penelope Chua" userId="a89798672054a88d" providerId="LiveId" clId="{0493365D-7B9D-47F5-8B38-0CB82671225E}" dt="2019-11-18T13:09:27.987" v="317" actId="164"/>
+          <ac:spMkLst>
+            <pc:docMk/>
+            <pc:sldMk cId="3997828206" sldId="256"/>
+            <ac:spMk id="38" creationId="{90E309C5-4A2B-4EBE-9F10-D7B2B1162A1E}"/>
+          </ac:spMkLst>
+        </pc:spChg>
+        <pc:spChg chg="add mod topLvl">
+          <ac:chgData name="Penelope Chua" userId="a89798672054a88d" providerId="LiveId" clId="{0493365D-7B9D-47F5-8B38-0CB82671225E}" dt="2019-11-18T13:09:27.987" v="317" actId="164"/>
+          <ac:spMkLst>
+            <pc:docMk/>
+            <pc:sldMk cId="3997828206" sldId="256"/>
+            <ac:spMk id="40" creationId="{E2D1B13D-16C1-4F6C-A7CE-4033E59AA3FD}"/>
+          </ac:spMkLst>
+        </pc:spChg>
+        <pc:spChg chg="add del">
+          <ac:chgData name="Penelope Chua" userId="a89798672054a88d" providerId="LiveId" clId="{0493365D-7B9D-47F5-8B38-0CB82671225E}" dt="2019-11-18T13:03:19.654" v="195" actId="478"/>
+          <ac:spMkLst>
+            <pc:docMk/>
+            <pc:sldMk cId="3997828206" sldId="256"/>
+            <ac:spMk id="41" creationId="{36870986-FF29-476E-9EE5-FC687E65C47D}"/>
+          </ac:spMkLst>
+        </pc:spChg>
+        <pc:spChg chg="mod topLvl">
+          <ac:chgData name="Penelope Chua" userId="a89798672054a88d" providerId="LiveId" clId="{0493365D-7B9D-47F5-8B38-0CB82671225E}" dt="2019-11-18T13:09:27.987" v="317" actId="164"/>
+          <ac:spMkLst>
+            <pc:docMk/>
+            <pc:sldMk cId="3997828206" sldId="256"/>
+            <ac:spMk id="42" creationId="{14185CF4-29A8-4BD5-BDD7-50F6C0DBEC7D}"/>
+          </ac:spMkLst>
+        </pc:spChg>
+        <pc:spChg chg="add mod topLvl">
+          <ac:chgData name="Penelope Chua" userId="a89798672054a88d" providerId="LiveId" clId="{0493365D-7B9D-47F5-8B38-0CB82671225E}" dt="2019-11-18T13:09:27.987" v="317" actId="164"/>
+          <ac:spMkLst>
+            <pc:docMk/>
+            <pc:sldMk cId="3997828206" sldId="256"/>
+            <ac:spMk id="43" creationId="{F871A1B3-6E90-47B5-874D-841704ABB54F}"/>
+          </ac:spMkLst>
+        </pc:spChg>
+        <pc:spChg chg="add del">
+          <ac:chgData name="Penelope Chua" userId="a89798672054a88d" providerId="LiveId" clId="{0493365D-7B9D-47F5-8B38-0CB82671225E}" dt="2019-11-18T13:04:59.272" v="289" actId="478"/>
+          <ac:spMkLst>
+            <pc:docMk/>
+            <pc:sldMk cId="3997828206" sldId="256"/>
+            <ac:spMk id="44" creationId="{AC37596B-C004-4BF9-AA63-5ABBF30624A7}"/>
+          </ac:spMkLst>
+        </pc:spChg>
+        <pc:spChg chg="add mod topLvl">
+          <ac:chgData name="Penelope Chua" userId="a89798672054a88d" providerId="LiveId" clId="{0493365D-7B9D-47F5-8B38-0CB82671225E}" dt="2019-11-18T13:09:27.987" v="317" actId="164"/>
+          <ac:spMkLst>
+            <pc:docMk/>
+            <pc:sldMk cId="3997828206" sldId="256"/>
+            <ac:spMk id="45" creationId="{49D4E698-907D-4089-801F-2BEC6D33699D}"/>
+          </ac:spMkLst>
+        </pc:spChg>
+        <pc:spChg chg="add mod">
+          <ac:chgData name="Penelope Chua" userId="a89798672054a88d" providerId="LiveId" clId="{0493365D-7B9D-47F5-8B38-0CB82671225E}" dt="2019-11-18T13:09:27.987" v="317" actId="164"/>
+          <ac:spMkLst>
+            <pc:docMk/>
+            <pc:sldMk cId="3997828206" sldId="256"/>
+            <ac:spMk id="46" creationId="{D6273DAB-D304-45BB-A967-030F556B3E9C}"/>
+          </ac:spMkLst>
+        </pc:spChg>
+        <pc:spChg chg="add mod">
+          <ac:chgData name="Penelope Chua" userId="a89798672054a88d" providerId="LiveId" clId="{0493365D-7B9D-47F5-8B38-0CB82671225E}" dt="2019-11-18T13:09:27.987" v="317" actId="164"/>
+          <ac:spMkLst>
+            <pc:docMk/>
+            <pc:sldMk cId="3997828206" sldId="256"/>
+            <ac:spMk id="47" creationId="{0595BC02-0059-4FFA-AF49-FD0BB0E8D47D}"/>
+          </ac:spMkLst>
+        </pc:spChg>
+        <pc:grpChg chg="add del mod">
+          <ac:chgData name="Penelope Chua" userId="a89798672054a88d" providerId="LiveId" clId="{0493365D-7B9D-47F5-8B38-0CB82671225E}" dt="2019-11-18T13:09:20.690" v="316" actId="165"/>
+          <ac:grpSpMkLst>
+            <pc:docMk/>
+            <pc:sldMk cId="3997828206" sldId="256"/>
+            <ac:grpSpMk id="8" creationId="{61B31550-141E-40A0-A42C-5EEDAE2184E5}"/>
+          </ac:grpSpMkLst>
+        </pc:grpChg>
+        <pc:grpChg chg="add mod">
+          <ac:chgData name="Penelope Chua" userId="a89798672054a88d" providerId="LiveId" clId="{0493365D-7B9D-47F5-8B38-0CB82671225E}" dt="2019-11-18T13:09:27.987" v="317" actId="164"/>
+          <ac:grpSpMkLst>
+            <pc:docMk/>
+            <pc:sldMk cId="3997828206" sldId="256"/>
+            <ac:grpSpMk id="9" creationId="{2F55F049-4279-4A7E-AE92-929015FB9542}"/>
+          </ac:grpSpMkLst>
+        </pc:grpChg>
+        <pc:grpChg chg="mod topLvl">
+          <ac:chgData name="Penelope Chua" userId="a89798672054a88d" providerId="LiveId" clId="{0493365D-7B9D-47F5-8B38-0CB82671225E}" dt="2019-11-18T13:09:27.987" v="317" actId="164"/>
+          <ac:grpSpMkLst>
+            <pc:docMk/>
+            <pc:sldMk cId="3997828206" sldId="256"/>
+            <ac:grpSpMk id="39" creationId="{2089F7E1-BB5A-4773-9601-52F6D9881F71}"/>
+          </ac:grpSpMkLst>
+        </pc:grpChg>
+      </pc:sldChg>
+    </pc:docChg>
+  </pc:docChgLst>
+</pc:chgInfo>
+</file>
+
+<file path=ppt/notesMasters/notesMaster1.xml><?xml version="1.0" encoding="utf-8"?>
+<p:notesMaster xmlns:a="http://schemas.openxmlformats.org/drawingml/2006/main" xmlns:r="http://schemas.openxmlformats.org/officeDocument/2006/relationships" xmlns:p="http://schemas.openxmlformats.org/presentationml/2006/main">
+  <p:cSld>
+    <p:bg>
+      <p:bgRef idx="1001">
+        <a:schemeClr val="bg1"/>
+      </p:bgRef>
+    </p:bg>
+    <p:spTree>
+      <p:nvGrpSpPr>
+        <p:cNvPr id="1" name=""/>
+        <p:cNvGrpSpPr/>
+        <p:nvPr/>
+      </p:nvGrpSpPr>
+      <p:grpSpPr>
+        <a:xfrm>
+          <a:off x="0" y="0"/>
+          <a:ext cx="0" cy="0"/>
+          <a:chOff x="0" y="0"/>
+          <a:chExt cx="0" cy="0"/>
+        </a:xfrm>
+      </p:grpSpPr>
+      <p:sp>
+        <p:nvSpPr>
+          <p:cNvPr id="2" name="Header Placeholder 1"/>
+          <p:cNvSpPr>
+            <a:spLocks noGrp="1"/>
+          </p:cNvSpPr>
+          <p:nvPr>
+            <p:ph type="hdr" sz="quarter"/>
+          </p:nvPr>
+        </p:nvSpPr>
+        <p:spPr>
+          <a:xfrm>
+            <a:off x="0" y="0"/>
+            <a:ext cx="2971800" cy="458788"/>
+          </a:xfrm>
+          <a:prstGeom prst="rect">
+            <a:avLst/>
+          </a:prstGeom>
+        </p:spPr>
+        <p:txBody>
+          <a:bodyPr vert="horz" lIns="91440" tIns="45720" rIns="91440" bIns="45720" rtlCol="0"/>
+          <a:lstStyle>
+            <a:lvl1pPr algn="l">
+              <a:defRPr sz="1200"/>
+            </a:lvl1pPr>
+          </a:lstStyle>
+          <a:p>
+            <a:endParaRPr lang="en-SG"/>
+          </a:p>
+        </p:txBody>
+      </p:sp>
+      <p:sp>
+        <p:nvSpPr>
+          <p:cNvPr id="3" name="Date Placeholder 2"/>
+          <p:cNvSpPr>
+            <a:spLocks noGrp="1"/>
+          </p:cNvSpPr>
+          <p:nvPr>
+            <p:ph type="dt" idx="1"/>
+          </p:nvPr>
+        </p:nvSpPr>
+        <p:spPr>
+          <a:xfrm>
+            <a:off x="3884613" y="0"/>
+            <a:ext cx="2971800" cy="458788"/>
+          </a:xfrm>
+          <a:prstGeom prst="rect">
+            <a:avLst/>
+          </a:prstGeom>
+        </p:spPr>
+        <p:txBody>
+          <a:bodyPr vert="horz" lIns="91440" tIns="45720" rIns="91440" bIns="45720" rtlCol="0"/>
+          <a:lstStyle>
+            <a:lvl1pPr algn="r">
+              <a:defRPr sz="1200"/>
+            </a:lvl1pPr>
+          </a:lstStyle>
+          <a:p>
+            <a:fld id="{3A790050-5475-40C5-9283-4F4EB30D138F}" type="datetimeFigureOut">
+              <a:rPr lang="en-SG" smtClean="0"/>
+              <a:t>18/11/2019</a:t>
+            </a:fld>
+            <a:endParaRPr lang="en-SG"/>
+          </a:p>
+        </p:txBody>
+      </p:sp>
+      <p:sp>
+        <p:nvSpPr>
+          <p:cNvPr id="4" name="Slide Image Placeholder 3"/>
+          <p:cNvSpPr>
+            <a:spLocks noGrp="1" noRot="1" noChangeAspect="1"/>
+          </p:cNvSpPr>
+          <p:nvPr>
+            <p:ph type="sldImg" idx="2"/>
+          </p:nvPr>
+        </p:nvSpPr>
+        <p:spPr>
+          <a:xfrm>
+            <a:off x="685800" y="1143000"/>
+            <a:ext cx="5486400" cy="3086100"/>
+          </a:xfrm>
+          <a:prstGeom prst="rect">
+            <a:avLst/>
+          </a:prstGeom>
+          <a:noFill/>
+          <a:ln w="12700">
+            <a:solidFill>
+              <a:prstClr val="black"/>
+            </a:solidFill>
+          </a:ln>
+        </p:spPr>
+        <p:txBody>
+          <a:bodyPr vert="horz" lIns="91440" tIns="45720" rIns="91440" bIns="45720" rtlCol="0" anchor="ctr"/>
+          <a:lstStyle/>
+          <a:p>
+            <a:endParaRPr lang="en-SG"/>
+          </a:p>
+        </p:txBody>
+      </p:sp>
+      <p:sp>
+        <p:nvSpPr>
+          <p:cNvPr id="5" name="Notes Placeholder 4"/>
+          <p:cNvSpPr>
+            <a:spLocks noGrp="1"/>
+          </p:cNvSpPr>
+          <p:nvPr>
+            <p:ph type="body" sz="quarter" idx="3"/>
+          </p:nvPr>
+        </p:nvSpPr>
+        <p:spPr>
+          <a:xfrm>
+            <a:off x="685800" y="4400550"/>
+            <a:ext cx="5486400" cy="3600450"/>
+          </a:xfrm>
+          <a:prstGeom prst="rect">
+            <a:avLst/>
+          </a:prstGeom>
+        </p:spPr>
+        <p:txBody>
+          <a:bodyPr vert="horz" lIns="91440" tIns="45720" rIns="91440" bIns="45720" rtlCol="0"/>
+          <a:lstStyle/>
+          <a:p>
+            <a:pPr lvl="0"/>
+            <a:r>
+              <a:rPr lang="en-US"/>
+              <a:t>Click to edit Master text styles</a:t>
+            </a:r>
+          </a:p>
+          <a:p>
+            <a:pPr lvl="1"/>
+            <a:r>
+              <a:rPr lang="en-US"/>
+              <a:t>Second level</a:t>
+            </a:r>
+          </a:p>
+          <a:p>
+            <a:pPr lvl="2"/>
+            <a:r>
+              <a:rPr lang="en-US"/>
+              <a:t>Third level</a:t>
+            </a:r>
+          </a:p>
+          <a:p>
+            <a:pPr lvl="3"/>
+            <a:r>
+              <a:rPr lang="en-US"/>
+              <a:t>Fourth level</a:t>
+            </a:r>
+          </a:p>
+          <a:p>
+            <a:pPr lvl="4"/>
+            <a:r>
+              <a:rPr lang="en-US"/>
+              <a:t>Fifth level</a:t>
+            </a:r>
+            <a:endParaRPr lang="en-SG"/>
+          </a:p>
+        </p:txBody>
+      </p:sp>
+      <p:sp>
+        <p:nvSpPr>
+          <p:cNvPr id="6" name="Footer Placeholder 5"/>
+          <p:cNvSpPr>
+            <a:spLocks noGrp="1"/>
+          </p:cNvSpPr>
+          <p:nvPr>
+            <p:ph type="ftr" sz="quarter" idx="4"/>
+          </p:nvPr>
+        </p:nvSpPr>
+        <p:spPr>
+          <a:xfrm>
+            <a:off x="0" y="8685213"/>
+            <a:ext cx="2971800" cy="458787"/>
+          </a:xfrm>
+          <a:prstGeom prst="rect">
+            <a:avLst/>
+          </a:prstGeom>
+        </p:spPr>
+        <p:txBody>
+          <a:bodyPr vert="horz" lIns="91440" tIns="45720" rIns="91440" bIns="45720" rtlCol="0" anchor="b"/>
+          <a:lstStyle>
+            <a:lvl1pPr algn="l">
+              <a:defRPr sz="1200"/>
+            </a:lvl1pPr>
+          </a:lstStyle>
+          <a:p>
+            <a:endParaRPr lang="en-SG"/>
+          </a:p>
+        </p:txBody>
+      </p:sp>
+      <p:sp>
+        <p:nvSpPr>
+          <p:cNvPr id="7" name="Slide Number Placeholder 6"/>
+          <p:cNvSpPr>
+            <a:spLocks noGrp="1"/>
+          </p:cNvSpPr>
+          <p:nvPr>
+            <p:ph type="sldNum" sz="quarter" idx="5"/>
+          </p:nvPr>
+        </p:nvSpPr>
+        <p:spPr>
+          <a:xfrm>
+            <a:off x="3884613" y="8685213"/>
+            <a:ext cx="2971800" cy="458787"/>
+          </a:xfrm>
+          <a:prstGeom prst="rect">
+            <a:avLst/>
+          </a:prstGeom>
+        </p:spPr>
+        <p:txBody>
+          <a:bodyPr vert="horz" lIns="91440" tIns="45720" rIns="91440" bIns="45720" rtlCol="0" anchor="b"/>
+          <a:lstStyle>
+            <a:lvl1pPr algn="r">
+              <a:defRPr sz="1200"/>
+            </a:lvl1pPr>
+          </a:lstStyle>
+          <a:p>
+            <a:fld id="{149A019C-2CF4-410D-8255-0D2AF3FCE98B}" type="slidenum">
+              <a:rPr lang="en-SG" smtClean="0"/>
+              <a:t>‹#›</a:t>
+            </a:fld>
+            <a:endParaRPr lang="en-SG"/>
+          </a:p>
+        </p:txBody>
+      </p:sp>
+    </p:spTree>
+    <p:extLst>
+      <p:ext uri="{BB962C8B-B14F-4D97-AF65-F5344CB8AC3E}">
+        <p14:creationId xmlns:p14="http://schemas.microsoft.com/office/powerpoint/2010/main" val="4217824958"/>
+      </p:ext>
+    </p:extLst>
+  </p:cSld>
+  <p:clrMap bg1="lt1" tx1="dk1" bg2="lt2" tx2="dk2" accent1="accent1" accent2="accent2" accent3="accent3" accent4="accent4" accent5="accent5" accent6="accent6" hlink="hlink" folHlink="folHlink"/>
+  <p:notesStyle>
+    <a:lvl1pPr marL="0" algn="l" defTabSz="914400" rtl="0" eaLnBrk="1" latinLnBrk="0" hangingPunct="1">
+      <a:defRPr sz="1200" kern="1200">
+        <a:solidFill>
+          <a:schemeClr val="tx1"/>
+        </a:solidFill>
+        <a:latin typeface="+mn-lt"/>
+        <a:ea typeface="+mn-ea"/>
+        <a:cs typeface="+mn-cs"/>
+      </a:defRPr>
+    </a:lvl1pPr>
+    <a:lvl2pPr marL="457200" algn="l" defTabSz="914400" rtl="0" eaLnBrk="1" latinLnBrk="0" hangingPunct="1">
+      <a:defRPr sz="1200" kern="1200">
+        <a:solidFill>
+          <a:schemeClr val="tx1"/>
+        </a:solidFill>
+        <a:latin typeface="+mn-lt"/>
+        <a:ea typeface="+mn-ea"/>
+        <a:cs typeface="+mn-cs"/>
+      </a:defRPr>
+    </a:lvl2pPr>
+    <a:lvl3pPr marL="914400" algn="l" defTabSz="914400" rtl="0" eaLnBrk="1" latinLnBrk="0" hangingPunct="1">
+      <a:defRPr sz="1200" kern="1200">
+        <a:solidFill>
+          <a:schemeClr val="tx1"/>
+        </a:solidFill>
+        <a:latin typeface="+mn-lt"/>
+        <a:ea typeface="+mn-ea"/>
+        <a:cs typeface="+mn-cs"/>
+      </a:defRPr>
+    </a:lvl3pPr>
+    <a:lvl4pPr marL="1371600" algn="l" defTabSz="914400" rtl="0" eaLnBrk="1" latinLnBrk="0" hangingPunct="1">
+      <a:defRPr sz="1200" kern="1200">
+        <a:solidFill>
+          <a:schemeClr val="tx1"/>
+        </a:solidFill>
+        <a:latin typeface="+mn-lt"/>
+        <a:ea typeface="+mn-ea"/>
+        <a:cs typeface="+mn-cs"/>
+      </a:defRPr>
+    </a:lvl4pPr>
+    <a:lvl5pPr marL="1828800" algn="l" defTabSz="914400" rtl="0" eaLnBrk="1" latinLnBrk="0" hangingPunct="1">
+      <a:defRPr sz="1200" kern="1200">
+        <a:solidFill>
+          <a:schemeClr val="tx1"/>
+        </a:solidFill>
+        <a:latin typeface="+mn-lt"/>
+        <a:ea typeface="+mn-ea"/>
+        <a:cs typeface="+mn-cs"/>
+      </a:defRPr>
+    </a:lvl5pPr>
+    <a:lvl6pPr marL="2286000" algn="l" defTabSz="914400" rtl="0" eaLnBrk="1" latinLnBrk="0" hangingPunct="1">
+      <a:defRPr sz="1200" kern="1200">
+        <a:solidFill>
+          <a:schemeClr val="tx1"/>
+        </a:solidFill>
+        <a:latin typeface="+mn-lt"/>
+        <a:ea typeface="+mn-ea"/>
+        <a:cs typeface="+mn-cs"/>
+      </a:defRPr>
+    </a:lvl6pPr>
+    <a:lvl7pPr marL="2743200" algn="l" defTabSz="914400" rtl="0" eaLnBrk="1" latinLnBrk="0" hangingPunct="1">
+      <a:defRPr sz="1200" kern="1200">
+        <a:solidFill>
+          <a:schemeClr val="tx1"/>
+        </a:solidFill>
+        <a:latin typeface="+mn-lt"/>
+        <a:ea typeface="+mn-ea"/>
+        <a:cs typeface="+mn-cs"/>
+      </a:defRPr>
+    </a:lvl7pPr>
+    <a:lvl8pPr marL="3200400" algn="l" defTabSz="914400" rtl="0" eaLnBrk="1" latinLnBrk="0" hangingPunct="1">
+      <a:defRPr sz="1200" kern="1200">
+        <a:solidFill>
+          <a:schemeClr val="tx1"/>
+        </a:solidFill>
+        <a:latin typeface="+mn-lt"/>
+        <a:ea typeface="+mn-ea"/>
+        <a:cs typeface="+mn-cs"/>
+      </a:defRPr>
+    </a:lvl8pPr>
+    <a:lvl9pPr marL="3657600" algn="l" defTabSz="914400" rtl="0" eaLnBrk="1" latinLnBrk="0" hangingPunct="1">
+      <a:defRPr sz="1200" kern="1200">
+        <a:solidFill>
+          <a:schemeClr val="tx1"/>
+        </a:solidFill>
+        <a:latin typeface="+mn-lt"/>
+        <a:ea typeface="+mn-ea"/>
+        <a:cs typeface="+mn-cs"/>
+      </a:defRPr>
+    </a:lvl9pPr>
+  </p:notesStyle>
+</p:notesMaster>
+</file>
+
+<file path=ppt/notesSlides/notesSlide1.xml><?xml version="1.0" encoding="utf-8"?>
+<p:notes xmlns:a="http://schemas.openxmlformats.org/drawingml/2006/main" xmlns:r="http://schemas.openxmlformats.org/officeDocument/2006/relationships" xmlns:p="http://schemas.openxmlformats.org/presentationml/2006/main">
+  <p:cSld>
+    <p:spTree>
+      <p:nvGrpSpPr>
+        <p:cNvPr id="1" name=""/>
+        <p:cNvGrpSpPr/>
+        <p:nvPr/>
+      </p:nvGrpSpPr>
+      <p:grpSpPr>
+        <a:xfrm>
+          <a:off x="0" y="0"/>
+          <a:ext cx="0" cy="0"/>
+          <a:chOff x="0" y="0"/>
+          <a:chExt cx="0" cy="0"/>
+        </a:xfrm>
+      </p:grpSpPr>
+      <p:sp>
+        <p:nvSpPr>
+          <p:cNvPr id="2" name="Slide Image Placeholder 1"/>
+          <p:cNvSpPr>
+            <a:spLocks noGrp="1" noRot="1" noChangeAspect="1"/>
+          </p:cNvSpPr>
+          <p:nvPr>
+            <p:ph type="sldImg"/>
+          </p:nvPr>
+        </p:nvSpPr>
+        <p:spPr/>
+      </p:sp>
+      <p:sp>
+        <p:nvSpPr>
+          <p:cNvPr id="3" name="Notes Placeholder 2"/>
+          <p:cNvSpPr>
+            <a:spLocks noGrp="1"/>
+          </p:cNvSpPr>
+          <p:nvPr>
+            <p:ph type="body" idx="1"/>
+          </p:nvPr>
+        </p:nvSpPr>
+        <p:spPr/>
+        <p:txBody>
+          <a:bodyPr/>
+          <a:lstStyle/>
+          <a:p>
+            <a:endParaRPr lang="en-SG" dirty="0"/>
+          </a:p>
+        </p:txBody>
+      </p:sp>
+      <p:sp>
+        <p:nvSpPr>
+          <p:cNvPr id="4" name="Slide Number Placeholder 3"/>
+          <p:cNvSpPr>
+            <a:spLocks noGrp="1"/>
+          </p:cNvSpPr>
+          <p:nvPr>
+            <p:ph type="sldNum" sz="quarter" idx="5"/>
+          </p:nvPr>
+        </p:nvSpPr>
+        <p:spPr/>
+        <p:txBody>
+          <a:bodyPr/>
+          <a:lstStyle/>
+          <a:p>
+            <a:fld id="{149A019C-2CF4-410D-8255-0D2AF3FCE98B}" type="slidenum">
+              <a:rPr lang="en-SG" smtClean="0"/>
+              <a:t>1</a:t>
+            </a:fld>
+            <a:endParaRPr lang="en-SG"/>
+          </a:p>
+        </p:txBody>
+      </p:sp>
+    </p:spTree>
+    <p:extLst>
+      <p:ext uri="{BB962C8B-B14F-4D97-AF65-F5344CB8AC3E}">
+        <p14:creationId xmlns:p14="http://schemas.microsoft.com/office/powerpoint/2010/main" val="2936034488"/>
+      </p:ext>
+    </p:extLst>
+  </p:cSld>
+  <p:clrMapOvr>
+    <a:masterClrMapping/>
+  </p:clrMapOvr>
+</p:notes>
 </file>
 
 <file path=ppt/slideLayouts/slideLayout1.xml><?xml version="1.0" encoding="utf-8"?>
@@ -3345,10 +3936,10 @@
       </p:grpSpPr>
       <p:grpSp>
         <p:nvGrpSpPr>
-          <p:cNvPr id="39" name="Group 38">
+          <p:cNvPr id="9" name="Group 8">
             <a:extLst>
               <a:ext uri="{FF2B5EF4-FFF2-40B4-BE49-F238E27FC236}">
-                <a16:creationId xmlns:a16="http://schemas.microsoft.com/office/drawing/2014/main" id="{2089F7E1-BB5A-4773-9601-52F6D9881F71}"/>
+                <a16:creationId xmlns:a16="http://schemas.microsoft.com/office/drawing/2014/main" id="{2F55F049-4279-4A7E-AE92-929015FB9542}"/>
               </a:ext>
             </a:extLst>
           </p:cNvPr>
@@ -3357,54 +3948,18 @@
         </p:nvGrpSpPr>
         <p:grpSpPr>
           <a:xfrm>
-            <a:off x="1211581" y="-21781"/>
-            <a:ext cx="9944100" cy="6983297"/>
-            <a:chOff x="1211581" y="-21781"/>
-            <a:chExt cx="9944100" cy="6983297"/>
+            <a:off x="-86201" y="-21781"/>
+            <a:ext cx="11241882" cy="6983297"/>
+            <a:chOff x="-86201" y="-21781"/>
+            <a:chExt cx="11241882" cy="6983297"/>
           </a:xfrm>
         </p:grpSpPr>
-        <p:pic>
-          <p:nvPicPr>
-            <p:cNvPr id="20" name="Picture 19" descr="A screenshot of a cell phone&#10;&#10;Description automatically generated">
+        <p:grpSp>
+          <p:nvGrpSpPr>
+            <p:cNvPr id="39" name="Group 38">
               <a:extLst>
                 <a:ext uri="{FF2B5EF4-FFF2-40B4-BE49-F238E27FC236}">
-                  <a16:creationId xmlns:a16="http://schemas.microsoft.com/office/drawing/2014/main" id="{B4609751-8776-4633-B13B-DA9D420E83A4}"/>
-                </a:ext>
-              </a:extLst>
-            </p:cNvPr>
-            <p:cNvPicPr>
-              <a:picLocks noChangeAspect="1"/>
-            </p:cNvPicPr>
-            <p:nvPr/>
-          </p:nvPicPr>
-          <p:blipFill>
-            <a:blip r:embed="rId2">
-              <a:extLst>
-                <a:ext uri="{28A0092B-C50C-407E-A947-70E740481C1C}">
-                  <a14:useLocalDpi xmlns:a14="http://schemas.microsoft.com/office/drawing/2010/main" val="0"/>
-                </a:ext>
-              </a:extLst>
-            </a:blip>
-            <a:stretch>
-              <a:fillRect/>
-            </a:stretch>
-          </p:blipFill>
-          <p:spPr>
-            <a:xfrm>
-              <a:off x="1320970" y="95250"/>
-              <a:ext cx="9588163" cy="6858000"/>
-            </a:xfrm>
-            <a:prstGeom prst="rect">
-              <a:avLst/>
-            </a:prstGeom>
-          </p:spPr>
-        </p:pic>
-        <p:grpSp>
-          <p:nvGrpSpPr>
-            <p:cNvPr id="6" name="Group 5">
-              <a:extLst>
-                <a:ext uri="{FF2B5EF4-FFF2-40B4-BE49-F238E27FC236}">
-                  <a16:creationId xmlns:a16="http://schemas.microsoft.com/office/drawing/2014/main" id="{78DCD9DB-DDB9-427B-935D-A98B53563641}"/>
+                  <a16:creationId xmlns:a16="http://schemas.microsoft.com/office/drawing/2014/main" id="{2089F7E1-BB5A-4773-9601-52F6D9881F71}"/>
                 </a:ext>
               </a:extLst>
             </p:cNvPr>
@@ -3413,627 +3968,864 @@
           </p:nvGrpSpPr>
           <p:grpSpPr>
             <a:xfrm>
-              <a:off x="3061661" y="5081681"/>
-              <a:ext cx="5158413" cy="1879835"/>
-              <a:chOff x="1923817" y="1086714"/>
-              <a:chExt cx="3407915" cy="3089323"/>
+              <a:off x="1211581" y="-21781"/>
+              <a:ext cx="9944100" cy="6983297"/>
+              <a:chOff x="1211581" y="-21781"/>
+              <a:chExt cx="9944100" cy="6983297"/>
             </a:xfrm>
           </p:grpSpPr>
-          <p:sp>
-            <p:nvSpPr>
-              <p:cNvPr id="4" name="Rectangle 3">
+          <p:pic>
+            <p:nvPicPr>
+              <p:cNvPr id="20" name="Picture 19" descr="A screenshot of a cell phone&#10;&#10;Description automatically generated">
                 <a:extLst>
                   <a:ext uri="{FF2B5EF4-FFF2-40B4-BE49-F238E27FC236}">
-                    <a16:creationId xmlns:a16="http://schemas.microsoft.com/office/drawing/2014/main" id="{2FC3BE0A-2535-416C-8116-5BB1D591E9CD}"/>
+                    <a16:creationId xmlns:a16="http://schemas.microsoft.com/office/drawing/2014/main" id="{B4609751-8776-4633-B13B-DA9D420E83A4}"/>
                   </a:ext>
                 </a:extLst>
               </p:cNvPr>
-              <p:cNvSpPr/>
+              <p:cNvPicPr>
+                <a:picLocks noChangeAspect="1"/>
+              </p:cNvPicPr>
+              <p:nvPr/>
+            </p:nvPicPr>
+            <p:blipFill>
+              <a:blip r:embed="rId3">
+                <a:extLst>
+                  <a:ext uri="{28A0092B-C50C-407E-A947-70E740481C1C}">
+                    <a14:useLocalDpi xmlns:a14="http://schemas.microsoft.com/office/drawing/2010/main" val="0"/>
+                  </a:ext>
+                </a:extLst>
+              </a:blip>
+              <a:stretch>
+                <a:fillRect/>
+              </a:stretch>
+            </p:blipFill>
+            <p:spPr>
+              <a:xfrm>
+                <a:off x="1320970" y="95250"/>
+                <a:ext cx="9588163" cy="6858000"/>
+              </a:xfrm>
+              <a:prstGeom prst="rect">
+                <a:avLst/>
+              </a:prstGeom>
+            </p:spPr>
+          </p:pic>
+          <p:grpSp>
+            <p:nvGrpSpPr>
+              <p:cNvPr id="6" name="Group 5">
+                <a:extLst>
+                  <a:ext uri="{FF2B5EF4-FFF2-40B4-BE49-F238E27FC236}">
+                    <a16:creationId xmlns:a16="http://schemas.microsoft.com/office/drawing/2014/main" id="{78DCD9DB-DDB9-427B-935D-A98B53563641}"/>
+                  </a:ext>
+                </a:extLst>
+              </p:cNvPr>
+              <p:cNvGrpSpPr/>
+              <p:nvPr/>
+            </p:nvGrpSpPr>
+            <p:grpSpPr>
+              <a:xfrm>
+                <a:off x="3061661" y="5081681"/>
+                <a:ext cx="5158413" cy="1879835"/>
+                <a:chOff x="1923817" y="1086714"/>
+                <a:chExt cx="3407915" cy="3089323"/>
+              </a:xfrm>
+            </p:grpSpPr>
+            <p:sp>
+              <p:nvSpPr>
+                <p:cNvPr id="4" name="Rectangle 3">
+                  <a:extLst>
+                    <a:ext uri="{FF2B5EF4-FFF2-40B4-BE49-F238E27FC236}">
+                      <a16:creationId xmlns:a16="http://schemas.microsoft.com/office/drawing/2014/main" id="{2FC3BE0A-2535-416C-8116-5BB1D591E9CD}"/>
+                    </a:ext>
+                  </a:extLst>
+                </p:cNvPr>
+                <p:cNvSpPr/>
+                <p:nvPr/>
+              </p:nvSpPr>
+              <p:spPr>
+                <a:xfrm>
+                  <a:off x="1923818" y="1461412"/>
+                  <a:ext cx="3407914" cy="2714625"/>
+                </a:xfrm>
+                <a:prstGeom prst="rect">
+                  <a:avLst/>
+                </a:prstGeom>
+                <a:solidFill>
+                  <a:srgbClr val="00B0F0">
+                    <a:alpha val="40000"/>
+                  </a:srgbClr>
+                </a:solidFill>
+                <a:ln w="6350"/>
+              </p:spPr>
+              <p:style>
+                <a:lnRef idx="2">
+                  <a:schemeClr val="accent1">
+                    <a:shade val="50000"/>
+                  </a:schemeClr>
+                </a:lnRef>
+                <a:fillRef idx="1">
+                  <a:schemeClr val="accent1"/>
+                </a:fillRef>
+                <a:effectRef idx="0">
+                  <a:schemeClr val="accent1"/>
+                </a:effectRef>
+                <a:fontRef idx="minor">
+                  <a:schemeClr val="lt1"/>
+                </a:fontRef>
+              </p:style>
+              <p:txBody>
+                <a:bodyPr rtlCol="0" anchor="ctr"/>
+                <a:lstStyle/>
+                <a:p>
+                  <a:pPr algn="ctr"/>
+                  <a:endParaRPr lang="en-SG"/>
+                </a:p>
+              </p:txBody>
+            </p:sp>
+            <p:sp>
+              <p:nvSpPr>
+                <p:cNvPr id="5" name="Rectangle 4">
+                  <a:extLst>
+                    <a:ext uri="{FF2B5EF4-FFF2-40B4-BE49-F238E27FC236}">
+                      <a16:creationId xmlns:a16="http://schemas.microsoft.com/office/drawing/2014/main" id="{D94D4B9C-BD13-4D28-89F1-5705EB993EE2}"/>
+                    </a:ext>
+                  </a:extLst>
+                </p:cNvPr>
+                <p:cNvSpPr/>
+                <p:nvPr/>
+              </p:nvSpPr>
+              <p:spPr>
+                <a:xfrm>
+                  <a:off x="1923817" y="1086714"/>
+                  <a:ext cx="551410" cy="374696"/>
+                </a:xfrm>
+                <a:prstGeom prst="rect">
+                  <a:avLst/>
+                </a:prstGeom>
+                <a:solidFill>
+                  <a:srgbClr val="00B0F0">
+                    <a:alpha val="40000"/>
+                  </a:srgbClr>
+                </a:solidFill>
+                <a:ln w="6350"/>
+              </p:spPr>
+              <p:style>
+                <a:lnRef idx="2">
+                  <a:schemeClr val="accent1">
+                    <a:shade val="50000"/>
+                  </a:schemeClr>
+                </a:lnRef>
+                <a:fillRef idx="1">
+                  <a:schemeClr val="accent1"/>
+                </a:fillRef>
+                <a:effectRef idx="0">
+                  <a:schemeClr val="accent1"/>
+                </a:effectRef>
+                <a:fontRef idx="minor">
+                  <a:schemeClr val="lt1"/>
+                </a:fontRef>
+              </p:style>
+              <p:txBody>
+                <a:bodyPr rtlCol="0" anchor="ctr"/>
+                <a:lstStyle/>
+                <a:p>
+                  <a:pPr algn="ctr"/>
+                  <a:endParaRPr lang="en-SG"/>
+                </a:p>
+              </p:txBody>
+            </p:sp>
+          </p:grpSp>
+          <p:grpSp>
+            <p:nvGrpSpPr>
+              <p:cNvPr id="23" name="Group 22">
+                <a:extLst>
+                  <a:ext uri="{FF2B5EF4-FFF2-40B4-BE49-F238E27FC236}">
+                    <a16:creationId xmlns:a16="http://schemas.microsoft.com/office/drawing/2014/main" id="{9FF51B9E-8C78-40E7-A43C-1B0D38DAFF3E}"/>
+                  </a:ext>
+                </a:extLst>
+              </p:cNvPr>
+              <p:cNvGrpSpPr/>
+              <p:nvPr/>
+            </p:nvGrpSpPr>
+            <p:grpSpPr>
+              <a:xfrm>
+                <a:off x="1638300" y="3810000"/>
+                <a:ext cx="8353424" cy="1249243"/>
+                <a:chOff x="2842587" y="5259633"/>
+                <a:chExt cx="5066524" cy="1907929"/>
+              </a:xfrm>
+            </p:grpSpPr>
+            <p:sp>
+              <p:nvSpPr>
+                <p:cNvPr id="21" name="Rectangle 20">
+                  <a:extLst>
+                    <a:ext uri="{FF2B5EF4-FFF2-40B4-BE49-F238E27FC236}">
+                      <a16:creationId xmlns:a16="http://schemas.microsoft.com/office/drawing/2014/main" id="{853DF841-87EA-4EAE-ADFB-0F22196692FC}"/>
+                    </a:ext>
+                  </a:extLst>
+                </p:cNvPr>
+                <p:cNvSpPr/>
+                <p:nvPr/>
+              </p:nvSpPr>
+              <p:spPr>
+                <a:xfrm>
+                  <a:off x="2842588" y="5606689"/>
+                  <a:ext cx="5066523" cy="1560873"/>
+                </a:xfrm>
+                <a:prstGeom prst="rect">
+                  <a:avLst/>
+                </a:prstGeom>
+                <a:solidFill>
+                  <a:srgbClr val="00B0F0">
+                    <a:alpha val="40000"/>
+                  </a:srgbClr>
+                </a:solidFill>
+                <a:ln w="6350"/>
+              </p:spPr>
+              <p:style>
+                <a:lnRef idx="2">
+                  <a:schemeClr val="accent1">
+                    <a:shade val="50000"/>
+                  </a:schemeClr>
+                </a:lnRef>
+                <a:fillRef idx="1">
+                  <a:schemeClr val="accent1"/>
+                </a:fillRef>
+                <a:effectRef idx="0">
+                  <a:schemeClr val="accent1"/>
+                </a:effectRef>
+                <a:fontRef idx="minor">
+                  <a:schemeClr val="lt1"/>
+                </a:fontRef>
+              </p:style>
+              <p:txBody>
+                <a:bodyPr rtlCol="0" anchor="ctr"/>
+                <a:lstStyle/>
+                <a:p>
+                  <a:pPr algn="ctr"/>
+                  <a:endParaRPr lang="en-SG"/>
+                </a:p>
+              </p:txBody>
+            </p:sp>
+            <p:sp>
+              <p:nvSpPr>
+                <p:cNvPr id="22" name="Rectangle 21">
+                  <a:extLst>
+                    <a:ext uri="{FF2B5EF4-FFF2-40B4-BE49-F238E27FC236}">
+                      <a16:creationId xmlns:a16="http://schemas.microsoft.com/office/drawing/2014/main" id="{F9CEA984-6E86-44FA-8792-C74678D51FDA}"/>
+                    </a:ext>
+                  </a:extLst>
+                </p:cNvPr>
+                <p:cNvSpPr/>
+                <p:nvPr/>
+              </p:nvSpPr>
+              <p:spPr>
+                <a:xfrm>
+                  <a:off x="2842587" y="5259633"/>
+                  <a:ext cx="392843" cy="347055"/>
+                </a:xfrm>
+                <a:prstGeom prst="rect">
+                  <a:avLst/>
+                </a:prstGeom>
+                <a:solidFill>
+                  <a:srgbClr val="00B0F0">
+                    <a:alpha val="40000"/>
+                  </a:srgbClr>
+                </a:solidFill>
+                <a:ln w="6350"/>
+              </p:spPr>
+              <p:style>
+                <a:lnRef idx="2">
+                  <a:schemeClr val="accent1">
+                    <a:shade val="50000"/>
+                  </a:schemeClr>
+                </a:lnRef>
+                <a:fillRef idx="1">
+                  <a:schemeClr val="accent1"/>
+                </a:fillRef>
+                <a:effectRef idx="0">
+                  <a:schemeClr val="accent1"/>
+                </a:effectRef>
+                <a:fontRef idx="minor">
+                  <a:schemeClr val="lt1"/>
+                </a:fontRef>
+              </p:style>
+              <p:txBody>
+                <a:bodyPr rtlCol="0" anchor="ctr"/>
+                <a:lstStyle/>
+                <a:p>
+                  <a:pPr algn="ctr"/>
+                  <a:endParaRPr lang="en-SG"/>
+                </a:p>
+              </p:txBody>
+            </p:sp>
+          </p:grpSp>
+          <p:grpSp>
+            <p:nvGrpSpPr>
+              <p:cNvPr id="24" name="Group 23">
+                <a:extLst>
+                  <a:ext uri="{FF2B5EF4-FFF2-40B4-BE49-F238E27FC236}">
+                    <a16:creationId xmlns:a16="http://schemas.microsoft.com/office/drawing/2014/main" id="{3E75E101-F73F-4484-A6A7-D2D6021C5EAF}"/>
+                  </a:ext>
+                </a:extLst>
+              </p:cNvPr>
+              <p:cNvGrpSpPr/>
+              <p:nvPr/>
+            </p:nvGrpSpPr>
+            <p:grpSpPr>
+              <a:xfrm>
+                <a:off x="1211581" y="980846"/>
+                <a:ext cx="9944100" cy="2810870"/>
+                <a:chOff x="2842587" y="5472626"/>
+                <a:chExt cx="5066524" cy="1694936"/>
+              </a:xfrm>
+            </p:grpSpPr>
+            <p:sp>
+              <p:nvSpPr>
+                <p:cNvPr id="25" name="Rectangle 24">
+                  <a:extLst>
+                    <a:ext uri="{FF2B5EF4-FFF2-40B4-BE49-F238E27FC236}">
+                      <a16:creationId xmlns:a16="http://schemas.microsoft.com/office/drawing/2014/main" id="{E82FA60B-F6AB-494A-8B53-A21F585B495B}"/>
+                    </a:ext>
+                  </a:extLst>
+                </p:cNvPr>
+                <p:cNvSpPr/>
+                <p:nvPr/>
+              </p:nvSpPr>
+              <p:spPr>
+                <a:xfrm>
+                  <a:off x="2842588" y="5606689"/>
+                  <a:ext cx="5066523" cy="1560873"/>
+                </a:xfrm>
+                <a:prstGeom prst="rect">
+                  <a:avLst/>
+                </a:prstGeom>
+                <a:solidFill>
+                  <a:srgbClr val="00B0F0">
+                    <a:alpha val="40000"/>
+                  </a:srgbClr>
+                </a:solidFill>
+                <a:ln w="6350"/>
+              </p:spPr>
+              <p:style>
+                <a:lnRef idx="2">
+                  <a:schemeClr val="accent1">
+                    <a:shade val="50000"/>
+                  </a:schemeClr>
+                </a:lnRef>
+                <a:fillRef idx="1">
+                  <a:schemeClr val="accent1"/>
+                </a:fillRef>
+                <a:effectRef idx="0">
+                  <a:schemeClr val="accent1"/>
+                </a:effectRef>
+                <a:fontRef idx="minor">
+                  <a:schemeClr val="lt1"/>
+                </a:fontRef>
+              </p:style>
+              <p:txBody>
+                <a:bodyPr rtlCol="0" anchor="ctr"/>
+                <a:lstStyle/>
+                <a:p>
+                  <a:pPr algn="ctr"/>
+                  <a:endParaRPr lang="en-SG"/>
+                </a:p>
+              </p:txBody>
+            </p:sp>
+            <p:sp>
+              <p:nvSpPr>
+                <p:cNvPr id="26" name="Rectangle 25">
+                  <a:extLst>
+                    <a:ext uri="{FF2B5EF4-FFF2-40B4-BE49-F238E27FC236}">
+                      <a16:creationId xmlns:a16="http://schemas.microsoft.com/office/drawing/2014/main" id="{73F91A66-51F3-4E7E-A5A6-097D23AF7E51}"/>
+                    </a:ext>
+                  </a:extLst>
+                </p:cNvPr>
+                <p:cNvSpPr/>
+                <p:nvPr/>
+              </p:nvSpPr>
+              <p:spPr>
+                <a:xfrm>
+                  <a:off x="2842587" y="5472626"/>
+                  <a:ext cx="317062" cy="134060"/>
+                </a:xfrm>
+                <a:prstGeom prst="rect">
+                  <a:avLst/>
+                </a:prstGeom>
+                <a:solidFill>
+                  <a:srgbClr val="00B0F0">
+                    <a:alpha val="40000"/>
+                  </a:srgbClr>
+                </a:solidFill>
+                <a:ln w="6350"/>
+              </p:spPr>
+              <p:style>
+                <a:lnRef idx="2">
+                  <a:schemeClr val="accent1">
+                    <a:shade val="50000"/>
+                  </a:schemeClr>
+                </a:lnRef>
+                <a:fillRef idx="1">
+                  <a:schemeClr val="accent1"/>
+                </a:fillRef>
+                <a:effectRef idx="0">
+                  <a:schemeClr val="accent1"/>
+                </a:effectRef>
+                <a:fontRef idx="minor">
+                  <a:schemeClr val="lt1"/>
+                </a:fontRef>
+              </p:style>
+              <p:txBody>
+                <a:bodyPr rtlCol="0" anchor="ctr"/>
+                <a:lstStyle/>
+                <a:p>
+                  <a:pPr algn="ctr"/>
+                  <a:endParaRPr lang="en-SG"/>
+                </a:p>
+              </p:txBody>
+            </p:sp>
+          </p:grpSp>
+          <p:grpSp>
+            <p:nvGrpSpPr>
+              <p:cNvPr id="27" name="Group 26">
+                <a:extLst>
+                  <a:ext uri="{FF2B5EF4-FFF2-40B4-BE49-F238E27FC236}">
+                    <a16:creationId xmlns:a16="http://schemas.microsoft.com/office/drawing/2014/main" id="{A565177D-8270-4B51-AD4A-6BB311FF1C9B}"/>
+                  </a:ext>
+                </a:extLst>
+              </p:cNvPr>
+              <p:cNvGrpSpPr/>
+              <p:nvPr/>
+            </p:nvGrpSpPr>
+            <p:grpSpPr>
+              <a:xfrm>
+                <a:off x="4419600" y="0"/>
+                <a:ext cx="2184400" cy="1099722"/>
+                <a:chOff x="2842587" y="5472626"/>
+                <a:chExt cx="5066524" cy="1694936"/>
+              </a:xfrm>
+            </p:grpSpPr>
+            <p:sp>
+              <p:nvSpPr>
+                <p:cNvPr id="28" name="Rectangle 27">
+                  <a:extLst>
+                    <a:ext uri="{FF2B5EF4-FFF2-40B4-BE49-F238E27FC236}">
+                      <a16:creationId xmlns:a16="http://schemas.microsoft.com/office/drawing/2014/main" id="{71832F03-7B25-46C5-92C8-5061AA790588}"/>
+                    </a:ext>
+                  </a:extLst>
+                </p:cNvPr>
+                <p:cNvSpPr/>
+                <p:nvPr/>
+              </p:nvSpPr>
+              <p:spPr>
+                <a:xfrm>
+                  <a:off x="2842588" y="5606689"/>
+                  <a:ext cx="5066523" cy="1560873"/>
+                </a:xfrm>
+                <a:prstGeom prst="rect">
+                  <a:avLst/>
+                </a:prstGeom>
+                <a:solidFill>
+                  <a:srgbClr val="00B0F0">
+                    <a:alpha val="40000"/>
+                  </a:srgbClr>
+                </a:solidFill>
+                <a:ln w="6350"/>
+              </p:spPr>
+              <p:style>
+                <a:lnRef idx="2">
+                  <a:schemeClr val="accent1">
+                    <a:shade val="50000"/>
+                  </a:schemeClr>
+                </a:lnRef>
+                <a:fillRef idx="1">
+                  <a:schemeClr val="accent1"/>
+                </a:fillRef>
+                <a:effectRef idx="0">
+                  <a:schemeClr val="accent1"/>
+                </a:effectRef>
+                <a:fontRef idx="minor">
+                  <a:schemeClr val="lt1"/>
+                </a:fontRef>
+              </p:style>
+              <p:txBody>
+                <a:bodyPr rtlCol="0" anchor="ctr"/>
+                <a:lstStyle/>
+                <a:p>
+                  <a:pPr algn="ctr"/>
+                  <a:endParaRPr lang="en-SG"/>
+                </a:p>
+              </p:txBody>
+            </p:sp>
+            <p:sp>
+              <p:nvSpPr>
+                <p:cNvPr id="29" name="Rectangle 28">
+                  <a:extLst>
+                    <a:ext uri="{FF2B5EF4-FFF2-40B4-BE49-F238E27FC236}">
+                      <a16:creationId xmlns:a16="http://schemas.microsoft.com/office/drawing/2014/main" id="{0DA6A132-DEF8-4BD8-83E2-572984F41993}"/>
+                    </a:ext>
+                  </a:extLst>
+                </p:cNvPr>
+                <p:cNvSpPr/>
+                <p:nvPr/>
+              </p:nvSpPr>
+              <p:spPr>
+                <a:xfrm>
+                  <a:off x="2842587" y="5472626"/>
+                  <a:ext cx="590972" cy="134060"/>
+                </a:xfrm>
+                <a:prstGeom prst="rect">
+                  <a:avLst/>
+                </a:prstGeom>
+                <a:solidFill>
+                  <a:srgbClr val="00B0F0">
+                    <a:alpha val="40000"/>
+                  </a:srgbClr>
+                </a:solidFill>
+                <a:ln w="6350"/>
+              </p:spPr>
+              <p:style>
+                <a:lnRef idx="2">
+                  <a:schemeClr val="accent1">
+                    <a:shade val="50000"/>
+                  </a:schemeClr>
+                </a:lnRef>
+                <a:fillRef idx="1">
+                  <a:schemeClr val="accent1"/>
+                </a:fillRef>
+                <a:effectRef idx="0">
+                  <a:schemeClr val="accent1"/>
+                </a:effectRef>
+                <a:fontRef idx="minor">
+                  <a:schemeClr val="lt1"/>
+                </a:fontRef>
+              </p:style>
+              <p:txBody>
+                <a:bodyPr rtlCol="0" anchor="ctr"/>
+                <a:lstStyle/>
+                <a:p>
+                  <a:pPr algn="ctr"/>
+                  <a:endParaRPr lang="en-SG"/>
+                </a:p>
+              </p:txBody>
+            </p:sp>
+          </p:grpSp>
+          <p:grpSp>
+            <p:nvGrpSpPr>
+              <p:cNvPr id="30" name="Group 29">
+                <a:extLst>
+                  <a:ext uri="{FF2B5EF4-FFF2-40B4-BE49-F238E27FC236}">
+                    <a16:creationId xmlns:a16="http://schemas.microsoft.com/office/drawing/2014/main" id="{55C454FD-3C18-48FD-AD83-94B3D217215E}"/>
+                  </a:ext>
+                </a:extLst>
+              </p:cNvPr>
+              <p:cNvGrpSpPr/>
+              <p:nvPr/>
+            </p:nvGrpSpPr>
+            <p:grpSpPr>
+              <a:xfrm>
+                <a:off x="1614487" y="41978"/>
+                <a:ext cx="671512" cy="575721"/>
+                <a:chOff x="2842587" y="5328898"/>
+                <a:chExt cx="5066524" cy="1838664"/>
+              </a:xfrm>
+            </p:grpSpPr>
+            <p:sp>
+              <p:nvSpPr>
+                <p:cNvPr id="31" name="Rectangle 30">
+                  <a:extLst>
+                    <a:ext uri="{FF2B5EF4-FFF2-40B4-BE49-F238E27FC236}">
+                      <a16:creationId xmlns:a16="http://schemas.microsoft.com/office/drawing/2014/main" id="{80A163DD-3C31-4057-B4D7-68525D0C3627}"/>
+                    </a:ext>
+                  </a:extLst>
+                </p:cNvPr>
+                <p:cNvSpPr/>
+                <p:nvPr/>
+              </p:nvSpPr>
+              <p:spPr>
+                <a:xfrm>
+                  <a:off x="2842588" y="5606689"/>
+                  <a:ext cx="5066523" cy="1560873"/>
+                </a:xfrm>
+                <a:prstGeom prst="rect">
+                  <a:avLst/>
+                </a:prstGeom>
+                <a:solidFill>
+                  <a:srgbClr val="00B0F0">
+                    <a:alpha val="40000"/>
+                  </a:srgbClr>
+                </a:solidFill>
+                <a:ln w="6350"/>
+              </p:spPr>
+              <p:style>
+                <a:lnRef idx="2">
+                  <a:schemeClr val="accent1">
+                    <a:shade val="50000"/>
+                  </a:schemeClr>
+                </a:lnRef>
+                <a:fillRef idx="1">
+                  <a:schemeClr val="accent1"/>
+                </a:fillRef>
+                <a:effectRef idx="0">
+                  <a:schemeClr val="accent1"/>
+                </a:effectRef>
+                <a:fontRef idx="minor">
+                  <a:schemeClr val="lt1"/>
+                </a:fontRef>
+              </p:style>
+              <p:txBody>
+                <a:bodyPr rtlCol="0" anchor="ctr"/>
+                <a:lstStyle/>
+                <a:p>
+                  <a:pPr algn="ctr"/>
+                  <a:endParaRPr lang="en-SG"/>
+                </a:p>
+              </p:txBody>
+            </p:sp>
+            <p:sp>
+              <p:nvSpPr>
+                <p:cNvPr id="32" name="Rectangle 31">
+                  <a:extLst>
+                    <a:ext uri="{FF2B5EF4-FFF2-40B4-BE49-F238E27FC236}">
+                      <a16:creationId xmlns:a16="http://schemas.microsoft.com/office/drawing/2014/main" id="{D7A1CF4D-CA89-4912-B712-3EB236166E2B}"/>
+                    </a:ext>
+                  </a:extLst>
+                </p:cNvPr>
+                <p:cNvSpPr/>
+                <p:nvPr/>
+              </p:nvSpPr>
+              <p:spPr>
+                <a:xfrm>
+                  <a:off x="2842587" y="5328898"/>
+                  <a:ext cx="1922408" cy="277792"/>
+                </a:xfrm>
+                <a:prstGeom prst="rect">
+                  <a:avLst/>
+                </a:prstGeom>
+                <a:solidFill>
+                  <a:srgbClr val="00B0F0">
+                    <a:alpha val="40000"/>
+                  </a:srgbClr>
+                </a:solidFill>
+                <a:ln w="6350"/>
+              </p:spPr>
+              <p:style>
+                <a:lnRef idx="2">
+                  <a:schemeClr val="accent1">
+                    <a:shade val="50000"/>
+                  </a:schemeClr>
+                </a:lnRef>
+                <a:fillRef idx="1">
+                  <a:schemeClr val="accent1"/>
+                </a:fillRef>
+                <a:effectRef idx="0">
+                  <a:schemeClr val="accent1"/>
+                </a:effectRef>
+                <a:fontRef idx="minor">
+                  <a:schemeClr val="lt1"/>
+                </a:fontRef>
+              </p:style>
+              <p:txBody>
+                <a:bodyPr rtlCol="0" anchor="ctr"/>
+                <a:lstStyle/>
+                <a:p>
+                  <a:pPr algn="ctr"/>
+                  <a:endParaRPr lang="en-SG" sz="500" dirty="0">
+                    <a:solidFill>
+                      <a:schemeClr val="tx1"/>
+                    </a:solidFill>
+                  </a:endParaRPr>
+                </a:p>
+              </p:txBody>
+            </p:sp>
+          </p:grpSp>
+          <p:sp>
+            <p:nvSpPr>
+              <p:cNvPr id="33" name="TextBox 32">
+                <a:extLst>
+                  <a:ext uri="{FF2B5EF4-FFF2-40B4-BE49-F238E27FC236}">
+                    <a16:creationId xmlns:a16="http://schemas.microsoft.com/office/drawing/2014/main" id="{EA00F7F4-665E-4F0E-A8E0-EB9EAE62F613}"/>
+                  </a:ext>
+                </a:extLst>
+              </p:cNvPr>
+              <p:cNvSpPr txBox="1"/>
               <p:nvPr/>
             </p:nvSpPr>
             <p:spPr>
               <a:xfrm>
-                <a:off x="1923818" y="1461412"/>
-                <a:ext cx="3407914" cy="2714625"/>
+                <a:off x="1552574" y="16219"/>
+                <a:ext cx="352425" cy="138499"/>
               </a:xfrm>
               <a:prstGeom prst="rect">
                 <a:avLst/>
               </a:prstGeom>
-              <a:solidFill>
-                <a:srgbClr val="00B0F0">
-                  <a:alpha val="40000"/>
-                </a:srgbClr>
-              </a:solidFill>
-              <a:ln w="6350"/>
+              <a:noFill/>
             </p:spPr>
-            <p:style>
-              <a:lnRef idx="2">
-                <a:schemeClr val="accent1">
-                  <a:shade val="50000"/>
-                </a:schemeClr>
-              </a:lnRef>
-              <a:fillRef idx="1">
-                <a:schemeClr val="accent1"/>
-              </a:fillRef>
-              <a:effectRef idx="0">
-                <a:schemeClr val="accent1"/>
-              </a:effectRef>
-              <a:fontRef idx="minor">
-                <a:schemeClr val="lt1"/>
-              </a:fontRef>
-            </p:style>
             <p:txBody>
-              <a:bodyPr rtlCol="0" anchor="ctr"/>
+              <a:bodyPr wrap="square" rtlCol="0">
+                <a:spAutoFit/>
+              </a:bodyPr>
               <a:lstStyle/>
               <a:p>
-                <a:pPr algn="ctr"/>
-                <a:endParaRPr lang="en-SG"/>
+                <a:r>
+                  <a:rPr lang="en-US" sz="300" dirty="0"/>
+                  <a:t>Handlers</a:t>
+                </a:r>
+                <a:endParaRPr lang="en-SG" sz="300" dirty="0"/>
               </a:p>
             </p:txBody>
           </p:sp>
           <p:sp>
             <p:nvSpPr>
-              <p:cNvPr id="5" name="Rectangle 4">
+              <p:cNvPr id="34" name="TextBox 33">
                 <a:extLst>
                   <a:ext uri="{FF2B5EF4-FFF2-40B4-BE49-F238E27FC236}">
-                    <a16:creationId xmlns:a16="http://schemas.microsoft.com/office/drawing/2014/main" id="{D94D4B9C-BD13-4D28-89F1-5705EB993EE2}"/>
+                    <a16:creationId xmlns:a16="http://schemas.microsoft.com/office/drawing/2014/main" id="{563C4B0D-37E9-457F-9E4E-00BB4B970B73}"/>
                   </a:ext>
                 </a:extLst>
               </p:cNvPr>
-              <p:cNvSpPr/>
+              <p:cNvSpPr txBox="1"/>
               <p:nvPr/>
             </p:nvSpPr>
             <p:spPr>
               <a:xfrm>
-                <a:off x="1923817" y="1086714"/>
-                <a:ext cx="551410" cy="374696"/>
+                <a:off x="1277938" y="1056985"/>
+                <a:ext cx="352425" cy="138499"/>
               </a:xfrm>
               <a:prstGeom prst="rect">
                 <a:avLst/>
               </a:prstGeom>
-              <a:solidFill>
-                <a:srgbClr val="00B0F0">
-                  <a:alpha val="40000"/>
-                </a:srgbClr>
-              </a:solidFill>
-              <a:ln w="6350"/>
+              <a:noFill/>
             </p:spPr>
-            <p:style>
-              <a:lnRef idx="2">
-                <a:schemeClr val="accent1">
-                  <a:shade val="50000"/>
-                </a:schemeClr>
-              </a:lnRef>
-              <a:fillRef idx="1">
-                <a:schemeClr val="accent1"/>
-              </a:fillRef>
-              <a:effectRef idx="0">
-                <a:schemeClr val="accent1"/>
-              </a:effectRef>
-              <a:fontRef idx="minor">
-                <a:schemeClr val="lt1"/>
-              </a:fontRef>
-            </p:style>
             <p:txBody>
-              <a:bodyPr rtlCol="0" anchor="ctr"/>
+              <a:bodyPr wrap="square" rtlCol="0">
+                <a:spAutoFit/>
+              </a:bodyPr>
               <a:lstStyle/>
               <a:p>
-                <a:pPr algn="ctr"/>
-                <a:endParaRPr lang="en-SG"/>
-              </a:p>
-            </p:txBody>
-          </p:sp>
-        </p:grpSp>
-        <p:grpSp>
-          <p:nvGrpSpPr>
-            <p:cNvPr id="23" name="Group 22">
-              <a:extLst>
-                <a:ext uri="{FF2B5EF4-FFF2-40B4-BE49-F238E27FC236}">
-                  <a16:creationId xmlns:a16="http://schemas.microsoft.com/office/drawing/2014/main" id="{9FF51B9E-8C78-40E7-A43C-1B0D38DAFF3E}"/>
-                </a:ext>
-              </a:extLst>
-            </p:cNvPr>
-            <p:cNvGrpSpPr/>
-            <p:nvPr/>
-          </p:nvGrpSpPr>
-          <p:grpSpPr>
-            <a:xfrm>
-              <a:off x="1638300" y="3810000"/>
-              <a:ext cx="8353424" cy="1249243"/>
-              <a:chOff x="2842587" y="5259633"/>
-              <a:chExt cx="5066524" cy="1907929"/>
-            </a:xfrm>
-          </p:grpSpPr>
-          <p:sp>
-            <p:nvSpPr>
-              <p:cNvPr id="21" name="Rectangle 20">
-                <a:extLst>
-                  <a:ext uri="{FF2B5EF4-FFF2-40B4-BE49-F238E27FC236}">
-                    <a16:creationId xmlns:a16="http://schemas.microsoft.com/office/drawing/2014/main" id="{853DF841-87EA-4EAE-ADFB-0F22196692FC}"/>
-                  </a:ext>
-                </a:extLst>
-              </p:cNvPr>
-              <p:cNvSpPr/>
-              <p:nvPr/>
-            </p:nvSpPr>
-            <p:spPr>
-              <a:xfrm>
-                <a:off x="2842588" y="5606689"/>
-                <a:ext cx="5066523" cy="1560873"/>
-              </a:xfrm>
-              <a:prstGeom prst="rect">
-                <a:avLst/>
-              </a:prstGeom>
-              <a:solidFill>
-                <a:srgbClr val="00B0F0">
-                  <a:alpha val="40000"/>
-                </a:srgbClr>
-              </a:solidFill>
-              <a:ln w="6350"/>
-            </p:spPr>
-            <p:style>
-              <a:lnRef idx="2">
-                <a:schemeClr val="accent1">
-                  <a:shade val="50000"/>
-                </a:schemeClr>
-              </a:lnRef>
-              <a:fillRef idx="1">
-                <a:schemeClr val="accent1"/>
-              </a:fillRef>
-              <a:effectRef idx="0">
-                <a:schemeClr val="accent1"/>
-              </a:effectRef>
-              <a:fontRef idx="minor">
-                <a:schemeClr val="lt1"/>
-              </a:fontRef>
-            </p:style>
-            <p:txBody>
-              <a:bodyPr rtlCol="0" anchor="ctr"/>
-              <a:lstStyle/>
-              <a:p>
-                <a:pPr algn="ctr"/>
-                <a:endParaRPr lang="en-SG"/>
+                <a:r>
+                  <a:rPr lang="en-US" sz="300" dirty="0"/>
+                  <a:t>Models</a:t>
+                </a:r>
+                <a:endParaRPr lang="en-SG" sz="300" dirty="0"/>
               </a:p>
             </p:txBody>
           </p:sp>
           <p:sp>
             <p:nvSpPr>
-              <p:cNvPr id="22" name="Rectangle 21">
+              <p:cNvPr id="35" name="TextBox 34">
                 <a:extLst>
                   <a:ext uri="{FF2B5EF4-FFF2-40B4-BE49-F238E27FC236}">
-                    <a16:creationId xmlns:a16="http://schemas.microsoft.com/office/drawing/2014/main" id="{F9CEA984-6E86-44FA-8792-C74678D51FDA}"/>
+                    <a16:creationId xmlns:a16="http://schemas.microsoft.com/office/drawing/2014/main" id="{550AA6AF-A80A-4D97-9445-4FAA8D159944}"/>
                   </a:ext>
                 </a:extLst>
               </p:cNvPr>
-              <p:cNvSpPr/>
+              <p:cNvSpPr txBox="1"/>
               <p:nvPr/>
             </p:nvSpPr>
             <p:spPr>
               <a:xfrm>
-                <a:off x="2842587" y="5259633"/>
-                <a:ext cx="392843" cy="347055"/>
+                <a:off x="4370784" y="-21781"/>
+                <a:ext cx="382191" cy="138499"/>
               </a:xfrm>
               <a:prstGeom prst="rect">
                 <a:avLst/>
               </a:prstGeom>
-              <a:solidFill>
-                <a:srgbClr val="00B0F0">
-                  <a:alpha val="40000"/>
-                </a:srgbClr>
-              </a:solidFill>
-              <a:ln w="6350"/>
+              <a:noFill/>
             </p:spPr>
-            <p:style>
-              <a:lnRef idx="2">
-                <a:schemeClr val="accent1">
-                  <a:shade val="50000"/>
-                </a:schemeClr>
-              </a:lnRef>
-              <a:fillRef idx="1">
-                <a:schemeClr val="accent1"/>
-              </a:fillRef>
-              <a:effectRef idx="0">
-                <a:schemeClr val="accent1"/>
-              </a:effectRef>
-              <a:fontRef idx="minor">
-                <a:schemeClr val="lt1"/>
-              </a:fontRef>
-            </p:style>
             <p:txBody>
-              <a:bodyPr rtlCol="0" anchor="ctr"/>
+              <a:bodyPr wrap="square" rtlCol="0">
+                <a:spAutoFit/>
+              </a:bodyPr>
               <a:lstStyle/>
               <a:p>
-                <a:pPr algn="ctr"/>
-                <a:endParaRPr lang="en-SG"/>
-              </a:p>
-            </p:txBody>
-          </p:sp>
-        </p:grpSp>
-        <p:grpSp>
-          <p:nvGrpSpPr>
-            <p:cNvPr id="24" name="Group 23">
-              <a:extLst>
-                <a:ext uri="{FF2B5EF4-FFF2-40B4-BE49-F238E27FC236}">
-                  <a16:creationId xmlns:a16="http://schemas.microsoft.com/office/drawing/2014/main" id="{3E75E101-F73F-4484-A6A7-D2D6021C5EAF}"/>
-                </a:ext>
-              </a:extLst>
-            </p:cNvPr>
-            <p:cNvGrpSpPr/>
-            <p:nvPr/>
-          </p:nvGrpSpPr>
-          <p:grpSpPr>
-            <a:xfrm>
-              <a:off x="1211581" y="980846"/>
-              <a:ext cx="9944100" cy="2810870"/>
-              <a:chOff x="2842587" y="5472626"/>
-              <a:chExt cx="5066524" cy="1694936"/>
-            </a:xfrm>
-          </p:grpSpPr>
-          <p:sp>
-            <p:nvSpPr>
-              <p:cNvPr id="25" name="Rectangle 24">
-                <a:extLst>
-                  <a:ext uri="{FF2B5EF4-FFF2-40B4-BE49-F238E27FC236}">
-                    <a16:creationId xmlns:a16="http://schemas.microsoft.com/office/drawing/2014/main" id="{E82FA60B-F6AB-494A-8B53-A21F585B495B}"/>
-                  </a:ext>
-                </a:extLst>
-              </p:cNvPr>
-              <p:cNvSpPr/>
-              <p:nvPr/>
-            </p:nvSpPr>
-            <p:spPr>
-              <a:xfrm>
-                <a:off x="2842588" y="5606689"/>
-                <a:ext cx="5066523" cy="1560873"/>
-              </a:xfrm>
-              <a:prstGeom prst="rect">
-                <a:avLst/>
-              </a:prstGeom>
-              <a:solidFill>
-                <a:srgbClr val="00B0F0">
-                  <a:alpha val="40000"/>
-                </a:srgbClr>
-              </a:solidFill>
-              <a:ln w="6350"/>
-            </p:spPr>
-            <p:style>
-              <a:lnRef idx="2">
-                <a:schemeClr val="accent1">
-                  <a:shade val="50000"/>
-                </a:schemeClr>
-              </a:lnRef>
-              <a:fillRef idx="1">
-                <a:schemeClr val="accent1"/>
-              </a:fillRef>
-              <a:effectRef idx="0">
-                <a:schemeClr val="accent1"/>
-              </a:effectRef>
-              <a:fontRef idx="minor">
-                <a:schemeClr val="lt1"/>
-              </a:fontRef>
-            </p:style>
-            <p:txBody>
-              <a:bodyPr rtlCol="0" anchor="ctr"/>
-              <a:lstStyle/>
-              <a:p>
-                <a:pPr algn="ctr"/>
-                <a:endParaRPr lang="en-SG"/>
+                <a:r>
+                  <a:rPr lang="en-US" sz="300" dirty="0"/>
+                  <a:t>boundaries</a:t>
+                </a:r>
+                <a:endParaRPr lang="en-SG" sz="300" dirty="0"/>
               </a:p>
             </p:txBody>
           </p:sp>
           <p:sp>
             <p:nvSpPr>
-              <p:cNvPr id="26" name="Rectangle 25">
+              <p:cNvPr id="36" name="TextBox 35">
                 <a:extLst>
                   <a:ext uri="{FF2B5EF4-FFF2-40B4-BE49-F238E27FC236}">
-                    <a16:creationId xmlns:a16="http://schemas.microsoft.com/office/drawing/2014/main" id="{73F91A66-51F3-4E7E-A5A6-097D23AF7E51}"/>
+                    <a16:creationId xmlns:a16="http://schemas.microsoft.com/office/drawing/2014/main" id="{4E72CF3E-87DD-4059-B834-1B1B15193E23}"/>
                   </a:ext>
                 </a:extLst>
               </p:cNvPr>
-              <p:cNvSpPr/>
+              <p:cNvSpPr txBox="1"/>
               <p:nvPr/>
             </p:nvSpPr>
             <p:spPr>
               <a:xfrm>
-                <a:off x="2842587" y="5472626"/>
-                <a:ext cx="317062" cy="134060"/>
+                <a:off x="1797843" y="3872795"/>
+                <a:ext cx="352425" cy="138499"/>
               </a:xfrm>
               <a:prstGeom prst="rect">
                 <a:avLst/>
               </a:prstGeom>
-              <a:solidFill>
-                <a:srgbClr val="00B0F0">
-                  <a:alpha val="40000"/>
-                </a:srgbClr>
-              </a:solidFill>
-              <a:ln w="6350"/>
+              <a:noFill/>
             </p:spPr>
-            <p:style>
-              <a:lnRef idx="2">
-                <a:schemeClr val="accent1">
-                  <a:shade val="50000"/>
-                </a:schemeClr>
-              </a:lnRef>
-              <a:fillRef idx="1">
-                <a:schemeClr val="accent1"/>
-              </a:fillRef>
-              <a:effectRef idx="0">
-                <a:schemeClr val="accent1"/>
-              </a:effectRef>
-              <a:fontRef idx="minor">
-                <a:schemeClr val="lt1"/>
-              </a:fontRef>
-            </p:style>
             <p:txBody>
-              <a:bodyPr rtlCol="0" anchor="ctr"/>
+              <a:bodyPr wrap="square" rtlCol="0">
+                <a:spAutoFit/>
+              </a:bodyPr>
               <a:lstStyle/>
               <a:p>
-                <a:pPr algn="ctr"/>
-                <a:endParaRPr lang="en-SG"/>
-              </a:p>
-            </p:txBody>
-          </p:sp>
-        </p:grpSp>
-        <p:grpSp>
-          <p:nvGrpSpPr>
-            <p:cNvPr id="27" name="Group 26">
-              <a:extLst>
-                <a:ext uri="{FF2B5EF4-FFF2-40B4-BE49-F238E27FC236}">
-                  <a16:creationId xmlns:a16="http://schemas.microsoft.com/office/drawing/2014/main" id="{A565177D-8270-4B51-AD4A-6BB311FF1C9B}"/>
-                </a:ext>
-              </a:extLst>
-            </p:cNvPr>
-            <p:cNvGrpSpPr/>
-            <p:nvPr/>
-          </p:nvGrpSpPr>
-          <p:grpSpPr>
-            <a:xfrm>
-              <a:off x="4419600" y="0"/>
-              <a:ext cx="2184400" cy="1099722"/>
-              <a:chOff x="2842587" y="5472626"/>
-              <a:chExt cx="5066524" cy="1694936"/>
-            </a:xfrm>
-          </p:grpSpPr>
-          <p:sp>
-            <p:nvSpPr>
-              <p:cNvPr id="28" name="Rectangle 27">
-                <a:extLst>
-                  <a:ext uri="{FF2B5EF4-FFF2-40B4-BE49-F238E27FC236}">
-                    <a16:creationId xmlns:a16="http://schemas.microsoft.com/office/drawing/2014/main" id="{71832F03-7B25-46C5-92C8-5061AA790588}"/>
-                  </a:ext>
-                </a:extLst>
-              </p:cNvPr>
-              <p:cNvSpPr/>
-              <p:nvPr/>
-            </p:nvSpPr>
-            <p:spPr>
-              <a:xfrm>
-                <a:off x="2842588" y="5606689"/>
-                <a:ext cx="5066523" cy="1560873"/>
-              </a:xfrm>
-              <a:prstGeom prst="rect">
-                <a:avLst/>
-              </a:prstGeom>
-              <a:solidFill>
-                <a:srgbClr val="00B0F0">
-                  <a:alpha val="40000"/>
-                </a:srgbClr>
-              </a:solidFill>
-              <a:ln w="6350"/>
-            </p:spPr>
-            <p:style>
-              <a:lnRef idx="2">
-                <a:schemeClr val="accent1">
-                  <a:shade val="50000"/>
-                </a:schemeClr>
-              </a:lnRef>
-              <a:fillRef idx="1">
-                <a:schemeClr val="accent1"/>
-              </a:fillRef>
-              <a:effectRef idx="0">
-                <a:schemeClr val="accent1"/>
-              </a:effectRef>
-              <a:fontRef idx="minor">
-                <a:schemeClr val="lt1"/>
-              </a:fontRef>
-            </p:style>
-            <p:txBody>
-              <a:bodyPr rtlCol="0" anchor="ctr"/>
-              <a:lstStyle/>
-              <a:p>
-                <a:pPr algn="ctr"/>
-                <a:endParaRPr lang="en-SG"/>
+                <a:r>
+                  <a:rPr lang="en-US" sz="300" dirty="0"/>
+                  <a:t>Managers</a:t>
+                </a:r>
+                <a:endParaRPr lang="en-SG" sz="300" dirty="0"/>
               </a:p>
             </p:txBody>
           </p:sp>
           <p:sp>
             <p:nvSpPr>
-              <p:cNvPr id="29" name="Rectangle 28">
+              <p:cNvPr id="37" name="TextBox 36">
                 <a:extLst>
                   <a:ext uri="{FF2B5EF4-FFF2-40B4-BE49-F238E27FC236}">
-                    <a16:creationId xmlns:a16="http://schemas.microsoft.com/office/drawing/2014/main" id="{0DA6A132-DEF8-4BD8-83E2-572984F41993}"/>
+                    <a16:creationId xmlns:a16="http://schemas.microsoft.com/office/drawing/2014/main" id="{2064685D-E1FA-4889-892F-BD0D2F8EB3A7}"/>
                   </a:ext>
                 </a:extLst>
               </p:cNvPr>
-              <p:cNvSpPr/>
+              <p:cNvSpPr txBox="1"/>
               <p:nvPr/>
             </p:nvSpPr>
             <p:spPr>
               <a:xfrm>
-                <a:off x="2842587" y="5472626"/>
-                <a:ext cx="590972" cy="134060"/>
+                <a:off x="3295337" y="5154494"/>
+                <a:ext cx="352425" cy="138499"/>
               </a:xfrm>
               <a:prstGeom prst="rect">
                 <a:avLst/>
               </a:prstGeom>
-              <a:solidFill>
-                <a:srgbClr val="00B0F0">
-                  <a:alpha val="40000"/>
-                </a:srgbClr>
-              </a:solidFill>
-              <a:ln w="6350"/>
+              <a:noFill/>
             </p:spPr>
-            <p:style>
-              <a:lnRef idx="2">
-                <a:schemeClr val="accent1">
-                  <a:shade val="50000"/>
-                </a:schemeClr>
-              </a:lnRef>
-              <a:fillRef idx="1">
-                <a:schemeClr val="accent1"/>
-              </a:fillRef>
-              <a:effectRef idx="0">
-                <a:schemeClr val="accent1"/>
-              </a:effectRef>
-              <a:fontRef idx="minor">
-                <a:schemeClr val="lt1"/>
-              </a:fontRef>
-            </p:style>
             <p:txBody>
-              <a:bodyPr rtlCol="0" anchor="ctr"/>
+              <a:bodyPr wrap="square" rtlCol="0">
+                <a:spAutoFit/>
+              </a:bodyPr>
               <a:lstStyle/>
               <a:p>
-                <a:pPr algn="ctr"/>
-                <a:endParaRPr lang="en-SG"/>
-              </a:p>
-            </p:txBody>
-          </p:sp>
-        </p:grpSp>
-        <p:grpSp>
-          <p:nvGrpSpPr>
-            <p:cNvPr id="30" name="Group 29">
-              <a:extLst>
-                <a:ext uri="{FF2B5EF4-FFF2-40B4-BE49-F238E27FC236}">
-                  <a16:creationId xmlns:a16="http://schemas.microsoft.com/office/drawing/2014/main" id="{55C454FD-3C18-48FD-AD83-94B3D217215E}"/>
-                </a:ext>
-              </a:extLst>
-            </p:cNvPr>
-            <p:cNvGrpSpPr/>
-            <p:nvPr/>
-          </p:nvGrpSpPr>
-          <p:grpSpPr>
-            <a:xfrm>
-              <a:off x="1614487" y="41978"/>
-              <a:ext cx="671512" cy="575721"/>
-              <a:chOff x="2842587" y="5328898"/>
-              <a:chExt cx="5066524" cy="1838664"/>
-            </a:xfrm>
-          </p:grpSpPr>
-          <p:sp>
-            <p:nvSpPr>
-              <p:cNvPr id="31" name="Rectangle 30">
-                <a:extLst>
-                  <a:ext uri="{FF2B5EF4-FFF2-40B4-BE49-F238E27FC236}">
-                    <a16:creationId xmlns:a16="http://schemas.microsoft.com/office/drawing/2014/main" id="{80A163DD-3C31-4057-B4D7-68525D0C3627}"/>
-                  </a:ext>
-                </a:extLst>
-              </p:cNvPr>
-              <p:cNvSpPr/>
-              <p:nvPr/>
-            </p:nvSpPr>
-            <p:spPr>
-              <a:xfrm>
-                <a:off x="2842588" y="5606689"/>
-                <a:ext cx="5066523" cy="1560873"/>
-              </a:xfrm>
-              <a:prstGeom prst="rect">
-                <a:avLst/>
-              </a:prstGeom>
-              <a:solidFill>
-                <a:srgbClr val="00B0F0">
-                  <a:alpha val="40000"/>
-                </a:srgbClr>
-              </a:solidFill>
-              <a:ln w="6350"/>
-            </p:spPr>
-            <p:style>
-              <a:lnRef idx="2">
-                <a:schemeClr val="accent1">
-                  <a:shade val="50000"/>
-                </a:schemeClr>
-              </a:lnRef>
-              <a:fillRef idx="1">
-                <a:schemeClr val="accent1"/>
-              </a:fillRef>
-              <a:effectRef idx="0">
-                <a:schemeClr val="accent1"/>
-              </a:effectRef>
-              <a:fontRef idx="minor">
-                <a:schemeClr val="lt1"/>
-              </a:fontRef>
-            </p:style>
-            <p:txBody>
-              <a:bodyPr rtlCol="0" anchor="ctr"/>
-              <a:lstStyle/>
-              <a:p>
-                <a:pPr algn="ctr"/>
-                <a:endParaRPr lang="en-SG"/>
-              </a:p>
-            </p:txBody>
-          </p:sp>
-          <p:sp>
-            <p:nvSpPr>
-              <p:cNvPr id="32" name="Rectangle 31">
-                <a:extLst>
-                  <a:ext uri="{FF2B5EF4-FFF2-40B4-BE49-F238E27FC236}">
-                    <a16:creationId xmlns:a16="http://schemas.microsoft.com/office/drawing/2014/main" id="{D7A1CF4D-CA89-4912-B712-3EB236166E2B}"/>
-                  </a:ext>
-                </a:extLst>
-              </p:cNvPr>
-              <p:cNvSpPr/>
-              <p:nvPr/>
-            </p:nvSpPr>
-            <p:spPr>
-              <a:xfrm>
-                <a:off x="2842587" y="5328898"/>
-                <a:ext cx="1922408" cy="277792"/>
-              </a:xfrm>
-              <a:prstGeom prst="rect">
-                <a:avLst/>
-              </a:prstGeom>
-              <a:solidFill>
-                <a:srgbClr val="00B0F0">
-                  <a:alpha val="40000"/>
-                </a:srgbClr>
-              </a:solidFill>
-              <a:ln w="6350"/>
-            </p:spPr>
-            <p:style>
-              <a:lnRef idx="2">
-                <a:schemeClr val="accent1">
-                  <a:shade val="50000"/>
-                </a:schemeClr>
-              </a:lnRef>
-              <a:fillRef idx="1">
-                <a:schemeClr val="accent1"/>
-              </a:fillRef>
-              <a:effectRef idx="0">
-                <a:schemeClr val="accent1"/>
-              </a:effectRef>
-              <a:fontRef idx="minor">
-                <a:schemeClr val="lt1"/>
-              </a:fontRef>
-            </p:style>
-            <p:txBody>
-              <a:bodyPr rtlCol="0" anchor="ctr"/>
-              <a:lstStyle/>
-              <a:p>
-                <a:pPr algn="ctr"/>
-                <a:endParaRPr lang="en-SG" sz="500" dirty="0">
-                  <a:solidFill>
-                    <a:schemeClr val="tx1"/>
-                  </a:solidFill>
-                </a:endParaRPr>
+                <a:r>
+                  <a:rPr lang="en-US" sz="300" dirty="0"/>
+                  <a:t>Serializers</a:t>
+                </a:r>
+                <a:endParaRPr lang="en-SG" sz="300" dirty="0"/>
               </a:p>
             </p:txBody>
           </p:sp>
         </p:grpSp>
         <p:sp>
           <p:nvSpPr>
-            <p:cNvPr id="33" name="TextBox 32">
+            <p:cNvPr id="42" name="TextBox 41">
               <a:extLst>
                 <a:ext uri="{FF2B5EF4-FFF2-40B4-BE49-F238E27FC236}">
-                  <a16:creationId xmlns:a16="http://schemas.microsoft.com/office/drawing/2014/main" id="{EA00F7F4-665E-4F0E-A8E0-EB9EAE62F613}"/>
+                  <a16:creationId xmlns:a16="http://schemas.microsoft.com/office/drawing/2014/main" id="{14185CF4-29A8-4BD5-BDD7-50F6C0DBEC7D}"/>
                 </a:ext>
               </a:extLst>
             </p:cNvPr>
@@ -4042,8 +4834,8 @@
           </p:nvSpPr>
           <p:spPr>
             <a:xfrm>
-              <a:off x="1552574" y="16219"/>
-              <a:ext cx="352425" cy="138499"/>
+              <a:off x="-86201" y="50297"/>
+              <a:ext cx="1885950" cy="523220"/>
             </a:xfrm>
             <a:prstGeom prst="rect">
               <a:avLst/>
@@ -4057,194 +4849,338 @@
             <a:lstStyle/>
             <a:p>
               <a:r>
-                <a:rPr lang="en-US" sz="300" dirty="0"/>
-                <a:t>Handlers</a:t>
+                <a:rPr lang="en-US" sz="1400" dirty="0"/>
+                <a:t>Class diagram without dependencies</a:t>
               </a:r>
-              <a:endParaRPr lang="en-SG" sz="300" dirty="0"/>
+              <a:endParaRPr lang="en-SG" sz="1400" dirty="0"/>
             </a:p>
           </p:txBody>
         </p:sp>
         <p:sp>
           <p:nvSpPr>
-            <p:cNvPr id="34" name="TextBox 33">
+            <p:cNvPr id="38" name="Diamond 37">
               <a:extLst>
                 <a:ext uri="{FF2B5EF4-FFF2-40B4-BE49-F238E27FC236}">
-                  <a16:creationId xmlns:a16="http://schemas.microsoft.com/office/drawing/2014/main" id="{563C4B0D-37E9-457F-9E4E-00BB4B970B73}"/>
+                  <a16:creationId xmlns:a16="http://schemas.microsoft.com/office/drawing/2014/main" id="{90E309C5-4A2B-4EBE-9F10-D7B2B1162A1E}"/>
                 </a:ext>
               </a:extLst>
             </p:cNvPr>
-            <p:cNvSpPr txBox="1"/>
+            <p:cNvSpPr/>
             <p:nvPr/>
           </p:nvSpPr>
           <p:spPr>
             <a:xfrm>
-              <a:off x="1277938" y="1056985"/>
-              <a:ext cx="352425" cy="138499"/>
+              <a:off x="2218055" y="2522851"/>
+              <a:ext cx="21600" cy="10800"/>
             </a:xfrm>
-            <a:prstGeom prst="rect">
+            <a:prstGeom prst="diamond">
               <a:avLst/>
             </a:prstGeom>
-            <a:noFill/>
+            <a:solidFill>
+              <a:schemeClr val="tx1"/>
+            </a:solidFill>
+            <a:ln>
+              <a:solidFill>
+                <a:schemeClr val="tx1"/>
+              </a:solidFill>
+            </a:ln>
           </p:spPr>
+          <p:style>
+            <a:lnRef idx="2">
+              <a:schemeClr val="accent1">
+                <a:shade val="50000"/>
+              </a:schemeClr>
+            </a:lnRef>
+            <a:fillRef idx="1">
+              <a:schemeClr val="accent1"/>
+            </a:fillRef>
+            <a:effectRef idx="0">
+              <a:schemeClr val="accent1"/>
+            </a:effectRef>
+            <a:fontRef idx="minor">
+              <a:schemeClr val="lt1"/>
+            </a:fontRef>
+          </p:style>
           <p:txBody>
-            <a:bodyPr wrap="square" rtlCol="0">
-              <a:spAutoFit/>
-            </a:bodyPr>
+            <a:bodyPr rtlCol="0" anchor="ctr"/>
             <a:lstStyle/>
             <a:p>
-              <a:r>
-                <a:rPr lang="en-US" sz="300" dirty="0"/>
-                <a:t>Models</a:t>
-              </a:r>
-              <a:endParaRPr lang="en-SG" sz="300" dirty="0"/>
+              <a:pPr algn="ctr"/>
+              <a:endParaRPr lang="en-SG"/>
             </a:p>
           </p:txBody>
         </p:sp>
         <p:sp>
           <p:nvSpPr>
-            <p:cNvPr id="35" name="TextBox 34">
+            <p:cNvPr id="40" name="Diamond 39">
               <a:extLst>
                 <a:ext uri="{FF2B5EF4-FFF2-40B4-BE49-F238E27FC236}">
-                  <a16:creationId xmlns:a16="http://schemas.microsoft.com/office/drawing/2014/main" id="{550AA6AF-A80A-4D97-9445-4FAA8D159944}"/>
+                  <a16:creationId xmlns:a16="http://schemas.microsoft.com/office/drawing/2014/main" id="{E2D1B13D-16C1-4F6C-A7CE-4033E59AA3FD}"/>
                 </a:ext>
               </a:extLst>
             </p:cNvPr>
-            <p:cNvSpPr txBox="1"/>
+            <p:cNvSpPr/>
             <p:nvPr/>
           </p:nvSpPr>
           <p:spPr>
-            <a:xfrm>
-              <a:off x="4370784" y="-21781"/>
-              <a:ext cx="382191" cy="138499"/>
+            <a:xfrm rot="2919761">
+              <a:off x="3121347" y="2773678"/>
+              <a:ext cx="21600" cy="10800"/>
             </a:xfrm>
-            <a:prstGeom prst="rect">
+            <a:prstGeom prst="diamond">
               <a:avLst/>
             </a:prstGeom>
-            <a:noFill/>
+            <a:solidFill>
+              <a:schemeClr val="tx1"/>
+            </a:solidFill>
+            <a:ln>
+              <a:solidFill>
+                <a:schemeClr val="tx1"/>
+              </a:solidFill>
+            </a:ln>
           </p:spPr>
+          <p:style>
+            <a:lnRef idx="2">
+              <a:schemeClr val="accent1">
+                <a:shade val="50000"/>
+              </a:schemeClr>
+            </a:lnRef>
+            <a:fillRef idx="1">
+              <a:schemeClr val="accent1"/>
+            </a:fillRef>
+            <a:effectRef idx="0">
+              <a:schemeClr val="accent1"/>
+            </a:effectRef>
+            <a:fontRef idx="minor">
+              <a:schemeClr val="lt1"/>
+            </a:fontRef>
+          </p:style>
           <p:txBody>
-            <a:bodyPr wrap="square" rtlCol="0">
-              <a:spAutoFit/>
-            </a:bodyPr>
+            <a:bodyPr rtlCol="0" anchor="ctr"/>
             <a:lstStyle/>
             <a:p>
-              <a:r>
-                <a:rPr lang="en-US" sz="300" dirty="0"/>
-                <a:t>boundaries</a:t>
-              </a:r>
-              <a:endParaRPr lang="en-SG" sz="300" dirty="0"/>
+              <a:pPr algn="ctr"/>
+              <a:endParaRPr lang="en-SG"/>
             </a:p>
           </p:txBody>
         </p:sp>
         <p:sp>
           <p:nvSpPr>
-            <p:cNvPr id="36" name="TextBox 35">
+            <p:cNvPr id="43" name="Diamond 42">
               <a:extLst>
                 <a:ext uri="{FF2B5EF4-FFF2-40B4-BE49-F238E27FC236}">
-                  <a16:creationId xmlns:a16="http://schemas.microsoft.com/office/drawing/2014/main" id="{4E72CF3E-87DD-4059-B834-1B1B15193E23}"/>
+                  <a16:creationId xmlns:a16="http://schemas.microsoft.com/office/drawing/2014/main" id="{F871A1B3-6E90-47B5-874D-841704ABB54F}"/>
                 </a:ext>
               </a:extLst>
             </p:cNvPr>
-            <p:cNvSpPr txBox="1"/>
+            <p:cNvSpPr/>
             <p:nvPr/>
           </p:nvSpPr>
           <p:spPr>
-            <a:xfrm>
-              <a:off x="1797843" y="3872795"/>
-              <a:ext cx="352425" cy="138499"/>
+            <a:xfrm rot="19364926">
+              <a:off x="3967482" y="3035618"/>
+              <a:ext cx="21600" cy="10800"/>
             </a:xfrm>
-            <a:prstGeom prst="rect">
+            <a:prstGeom prst="diamond">
               <a:avLst/>
             </a:prstGeom>
-            <a:noFill/>
+            <a:solidFill>
+              <a:schemeClr val="tx1"/>
+            </a:solidFill>
+            <a:ln>
+              <a:solidFill>
+                <a:schemeClr val="tx1"/>
+              </a:solidFill>
+            </a:ln>
           </p:spPr>
+          <p:style>
+            <a:lnRef idx="2">
+              <a:schemeClr val="accent1">
+                <a:shade val="50000"/>
+              </a:schemeClr>
+            </a:lnRef>
+            <a:fillRef idx="1">
+              <a:schemeClr val="accent1"/>
+            </a:fillRef>
+            <a:effectRef idx="0">
+              <a:schemeClr val="accent1"/>
+            </a:effectRef>
+            <a:fontRef idx="minor">
+              <a:schemeClr val="lt1"/>
+            </a:fontRef>
+          </p:style>
           <p:txBody>
-            <a:bodyPr wrap="square" rtlCol="0">
-              <a:spAutoFit/>
-            </a:bodyPr>
+            <a:bodyPr rtlCol="0" anchor="ctr"/>
             <a:lstStyle/>
             <a:p>
-              <a:r>
-                <a:rPr lang="en-US" sz="300" dirty="0"/>
-                <a:t>Managers</a:t>
-              </a:r>
-              <a:endParaRPr lang="en-SG" sz="300" dirty="0"/>
+              <a:pPr algn="ctr"/>
+              <a:endParaRPr lang="en-SG"/>
             </a:p>
           </p:txBody>
         </p:sp>
         <p:sp>
           <p:nvSpPr>
-            <p:cNvPr id="37" name="TextBox 36">
+            <p:cNvPr id="45" name="Diamond 44">
               <a:extLst>
                 <a:ext uri="{FF2B5EF4-FFF2-40B4-BE49-F238E27FC236}">
-                  <a16:creationId xmlns:a16="http://schemas.microsoft.com/office/drawing/2014/main" id="{2064685D-E1FA-4889-892F-BD0D2F8EB3A7}"/>
+                  <a16:creationId xmlns:a16="http://schemas.microsoft.com/office/drawing/2014/main" id="{49D4E698-907D-4089-801F-2BEC6D33699D}"/>
                 </a:ext>
               </a:extLst>
             </p:cNvPr>
-            <p:cNvSpPr txBox="1"/>
+            <p:cNvSpPr/>
             <p:nvPr/>
           </p:nvSpPr>
           <p:spPr>
             <a:xfrm>
-              <a:off x="3295337" y="5154494"/>
-              <a:ext cx="352425" cy="138499"/>
+              <a:off x="7148829" y="2522851"/>
+              <a:ext cx="21600" cy="10800"/>
             </a:xfrm>
-            <a:prstGeom prst="rect">
+            <a:prstGeom prst="diamond">
               <a:avLst/>
             </a:prstGeom>
-            <a:noFill/>
+            <a:solidFill>
+              <a:schemeClr val="tx1"/>
+            </a:solidFill>
+            <a:ln>
+              <a:solidFill>
+                <a:schemeClr val="tx1"/>
+              </a:solidFill>
+            </a:ln>
           </p:spPr>
+          <p:style>
+            <a:lnRef idx="2">
+              <a:schemeClr val="accent1">
+                <a:shade val="50000"/>
+              </a:schemeClr>
+            </a:lnRef>
+            <a:fillRef idx="1">
+              <a:schemeClr val="accent1"/>
+            </a:fillRef>
+            <a:effectRef idx="0">
+              <a:schemeClr val="accent1"/>
+            </a:effectRef>
+            <a:fontRef idx="minor">
+              <a:schemeClr val="lt1"/>
+            </a:fontRef>
+          </p:style>
           <p:txBody>
-            <a:bodyPr wrap="square" rtlCol="0">
-              <a:spAutoFit/>
-            </a:bodyPr>
+            <a:bodyPr rtlCol="0" anchor="ctr"/>
             <a:lstStyle/>
             <a:p>
-              <a:r>
-                <a:rPr lang="en-US" sz="300" dirty="0"/>
-                <a:t>Serializers</a:t>
-              </a:r>
-              <a:endParaRPr lang="en-SG" sz="300" dirty="0"/>
+              <a:pPr algn="ctr"/>
+              <a:endParaRPr lang="en-SG"/>
+            </a:p>
+          </p:txBody>
+        </p:sp>
+        <p:sp>
+          <p:nvSpPr>
+            <p:cNvPr id="46" name="Diamond 45">
+              <a:extLst>
+                <a:ext uri="{FF2B5EF4-FFF2-40B4-BE49-F238E27FC236}">
+                  <a16:creationId xmlns:a16="http://schemas.microsoft.com/office/drawing/2014/main" id="{D6273DAB-D304-45BB-A967-030F556B3E9C}"/>
+                </a:ext>
+              </a:extLst>
+            </p:cNvPr>
+            <p:cNvSpPr/>
+            <p:nvPr/>
+          </p:nvSpPr>
+          <p:spPr>
+            <a:xfrm>
+              <a:off x="4818833" y="2521263"/>
+              <a:ext cx="43200" cy="21600"/>
+            </a:xfrm>
+            <a:prstGeom prst="diamond">
+              <a:avLst/>
+            </a:prstGeom>
+            <a:solidFill>
+              <a:schemeClr val="bg1"/>
+            </a:solidFill>
+            <a:ln w="3175">
+              <a:solidFill>
+                <a:schemeClr val="tx1"/>
+              </a:solidFill>
+            </a:ln>
+          </p:spPr>
+          <p:style>
+            <a:lnRef idx="2">
+              <a:schemeClr val="accent1">
+                <a:shade val="50000"/>
+              </a:schemeClr>
+            </a:lnRef>
+            <a:fillRef idx="1">
+              <a:schemeClr val="accent1"/>
+            </a:fillRef>
+            <a:effectRef idx="0">
+              <a:schemeClr val="accent1"/>
+            </a:effectRef>
+            <a:fontRef idx="minor">
+              <a:schemeClr val="lt1"/>
+            </a:fontRef>
+          </p:style>
+          <p:txBody>
+            <a:bodyPr rtlCol="0" anchor="ctr"/>
+            <a:lstStyle/>
+            <a:p>
+              <a:pPr algn="ctr"/>
+              <a:endParaRPr lang="en-SG"/>
+            </a:p>
+          </p:txBody>
+        </p:sp>
+        <p:sp>
+          <p:nvSpPr>
+            <p:cNvPr id="47" name="Diamond 46">
+              <a:extLst>
+                <a:ext uri="{FF2B5EF4-FFF2-40B4-BE49-F238E27FC236}">
+                  <a16:creationId xmlns:a16="http://schemas.microsoft.com/office/drawing/2014/main" id="{0595BC02-0059-4FFA-AF49-FD0BB0E8D47D}"/>
+                </a:ext>
+              </a:extLst>
+            </p:cNvPr>
+            <p:cNvSpPr/>
+            <p:nvPr/>
+          </p:nvSpPr>
+          <p:spPr>
+            <a:xfrm>
+              <a:off x="5887220" y="2521263"/>
+              <a:ext cx="43200" cy="21600"/>
+            </a:xfrm>
+            <a:prstGeom prst="diamond">
+              <a:avLst/>
+            </a:prstGeom>
+            <a:solidFill>
+              <a:schemeClr val="bg1"/>
+            </a:solidFill>
+            <a:ln w="3175">
+              <a:solidFill>
+                <a:schemeClr val="tx1"/>
+              </a:solidFill>
+            </a:ln>
+          </p:spPr>
+          <p:style>
+            <a:lnRef idx="2">
+              <a:schemeClr val="accent1">
+                <a:shade val="50000"/>
+              </a:schemeClr>
+            </a:lnRef>
+            <a:fillRef idx="1">
+              <a:schemeClr val="accent1"/>
+            </a:fillRef>
+            <a:effectRef idx="0">
+              <a:schemeClr val="accent1"/>
+            </a:effectRef>
+            <a:fontRef idx="minor">
+              <a:schemeClr val="lt1"/>
+            </a:fontRef>
+          </p:style>
+          <p:txBody>
+            <a:bodyPr rtlCol="0" anchor="ctr"/>
+            <a:lstStyle/>
+            <a:p>
+              <a:pPr algn="ctr"/>
+              <a:endParaRPr lang="en-SG"/>
             </a:p>
           </p:txBody>
         </p:sp>
       </p:grpSp>
-      <p:sp>
-        <p:nvSpPr>
-          <p:cNvPr id="42" name="TextBox 41">
-            <a:extLst>
-              <a:ext uri="{FF2B5EF4-FFF2-40B4-BE49-F238E27FC236}">
-                <a16:creationId xmlns:a16="http://schemas.microsoft.com/office/drawing/2014/main" id="{14185CF4-29A8-4BD5-BDD7-50F6C0DBEC7D}"/>
-              </a:ext>
-            </a:extLst>
-          </p:cNvPr>
-          <p:cNvSpPr txBox="1"/>
-          <p:nvPr/>
-        </p:nvSpPr>
-        <p:spPr>
-          <a:xfrm>
-            <a:off x="-86201" y="50297"/>
-            <a:ext cx="1885950" cy="523220"/>
-          </a:xfrm>
-          <a:prstGeom prst="rect">
-            <a:avLst/>
-          </a:prstGeom>
-          <a:noFill/>
-        </p:spPr>
-        <p:txBody>
-          <a:bodyPr wrap="square" rtlCol="0">
-            <a:spAutoFit/>
-          </a:bodyPr>
-          <a:lstStyle/>
-          <a:p>
-            <a:r>
-              <a:rPr lang="en-US" sz="1400" dirty="0"/>
-              <a:t>Class diagram without dependencies</a:t>
-            </a:r>
-            <a:endParaRPr lang="en-SG" sz="1400" dirty="0"/>
-          </a:p>
-        </p:txBody>
-      </p:sp>
     </p:spTree>
     <p:extLst>
       <p:ext uri="{BB962C8B-B14F-4D97-AF65-F5344CB8AC3E}">
@@ -5482,4 +6418,299 @@
     </a:ext>
   </a:extLst>
 </a:theme>
+</file>
+
+<file path=ppt/theme/theme2.xml><?xml version="1.0" encoding="utf-8"?>
+<a:theme xmlns:a="http://schemas.openxmlformats.org/drawingml/2006/main" name="Office Theme">
+  <a:themeElements>
+    <a:clrScheme name="Office">
+      <a:dk1>
+        <a:sysClr val="windowText" lastClr="000000"/>
+      </a:dk1>
+      <a:lt1>
+        <a:sysClr val="window" lastClr="FFFFFF"/>
+      </a:lt1>
+      <a:dk2>
+        <a:srgbClr val="44546A"/>
+      </a:dk2>
+      <a:lt2>
+        <a:srgbClr val="E7E6E6"/>
+      </a:lt2>
+      <a:accent1>
+        <a:srgbClr val="4472C4"/>
+      </a:accent1>
+      <a:accent2>
+        <a:srgbClr val="ED7D31"/>
+      </a:accent2>
+      <a:accent3>
+        <a:srgbClr val="A5A5A5"/>
+      </a:accent3>
+      <a:accent4>
+        <a:srgbClr val="FFC000"/>
+      </a:accent4>
+      <a:accent5>
+        <a:srgbClr val="5B9BD5"/>
+      </a:accent5>
+      <a:accent6>
+        <a:srgbClr val="70AD47"/>
+      </a:accent6>
+      <a:hlink>
+        <a:srgbClr val="0563C1"/>
+      </a:hlink>
+      <a:folHlink>
+        <a:srgbClr val="954F72"/>
+      </a:folHlink>
+    </a:clrScheme>
+    <a:fontScheme name="Office">
+      <a:majorFont>
+        <a:latin typeface="Calibri Light" panose="020F0302020204030204"/>
+        <a:ea typeface=""/>
+        <a:cs typeface=""/>
+        <a:font script="Jpan" typeface="游ゴシック Light"/>
+        <a:font script="Hang" typeface="맑은 고딕"/>
+        <a:font script="Hans" typeface="等线 Light"/>
+        <a:font script="Hant" typeface="新細明體"/>
+        <a:font script="Arab" typeface="Times New Roman"/>
+        <a:font script="Hebr" typeface="Times New Roman"/>
+        <a:font script="Thai" typeface="Angsana New"/>
+        <a:font script="Ethi" typeface="Nyala"/>
+        <a:font script="Beng" typeface="Vrinda"/>
+        <a:font script="Gujr" typeface="Shruti"/>
+        <a:font script="Khmr" typeface="MoolBoran"/>
+        <a:font script="Knda" typeface="Tunga"/>
+        <a:font script="Guru" typeface="Raavi"/>
+        <a:font script="Cans" typeface="Euphemia"/>
+        <a:font script="Cher" typeface="Plantagenet Cherokee"/>
+        <a:font script="Yiii" typeface="Microsoft Yi Baiti"/>
+        <a:font script="Tibt" typeface="Microsoft Himalaya"/>
+        <a:font script="Thaa" typeface="MV Boli"/>
+        <a:font script="Deva" typeface="Mangal"/>
+        <a:font script="Telu" typeface="Gautami"/>
+        <a:font script="Taml" typeface="Latha"/>
+        <a:font script="Syrc" typeface="Estrangelo Edessa"/>
+        <a:font script="Orya" typeface="Kalinga"/>
+        <a:font script="Mlym" typeface="Kartika"/>
+        <a:font script="Laoo" typeface="DokChampa"/>
+        <a:font script="Sinh" typeface="Iskoola Pota"/>
+        <a:font script="Mong" typeface="Mongolian Baiti"/>
+        <a:font script="Viet" typeface="Times New Roman"/>
+        <a:font script="Uigh" typeface="Microsoft Uighur"/>
+        <a:font script="Geor" typeface="Sylfaen"/>
+        <a:font script="Armn" typeface="Arial"/>
+        <a:font script="Bugi" typeface="Leelawadee UI"/>
+        <a:font script="Bopo" typeface="Microsoft JhengHei"/>
+        <a:font script="Java" typeface="Javanese Text"/>
+        <a:font script="Lisu" typeface="Segoe UI"/>
+        <a:font script="Mymr" typeface="Myanmar Text"/>
+        <a:font script="Nkoo" typeface="Ebrima"/>
+        <a:font script="Olck" typeface="Nirmala UI"/>
+        <a:font script="Osma" typeface="Ebrima"/>
+        <a:font script="Phag" typeface="Phagspa"/>
+        <a:font script="Syrn" typeface="Estrangelo Edessa"/>
+        <a:font script="Syrj" typeface="Estrangelo Edessa"/>
+        <a:font script="Syre" typeface="Estrangelo Edessa"/>
+        <a:font script="Sora" typeface="Nirmala UI"/>
+        <a:font script="Tale" typeface="Microsoft Tai Le"/>
+        <a:font script="Talu" typeface="Microsoft New Tai Lue"/>
+        <a:font script="Tfng" typeface="Ebrima"/>
+      </a:majorFont>
+      <a:minorFont>
+        <a:latin typeface="Calibri" panose="020F0502020204030204"/>
+        <a:ea typeface=""/>
+        <a:cs typeface=""/>
+        <a:font script="Jpan" typeface="游ゴシック"/>
+        <a:font script="Hang" typeface="맑은 고딕"/>
+        <a:font script="Hans" typeface="等线"/>
+        <a:font script="Hant" typeface="新細明體"/>
+        <a:font script="Arab" typeface="Arial"/>
+        <a:font script="Hebr" typeface="Arial"/>
+        <a:font script="Thai" typeface="Cordia New"/>
+        <a:font script="Ethi" typeface="Nyala"/>
+        <a:font script="Beng" typeface="Vrinda"/>
+        <a:font script="Gujr" typeface="Shruti"/>
+        <a:font script="Khmr" typeface="DaunPenh"/>
+        <a:font script="Knda" typeface="Tunga"/>
+        <a:font script="Guru" typeface="Raavi"/>
+        <a:font script="Cans" typeface="Euphemia"/>
+        <a:font script="Cher" typeface="Plantagenet Cherokee"/>
+        <a:font script="Yiii" typeface="Microsoft Yi Baiti"/>
+        <a:font script="Tibt" typeface="Microsoft Himalaya"/>
+        <a:font script="Thaa" typeface="MV Boli"/>
+        <a:font script="Deva" typeface="Mangal"/>
+        <a:font script="Telu" typeface="Gautami"/>
+        <a:font script="Taml" typeface="Latha"/>
+        <a:font script="Syrc" typeface="Estrangelo Edessa"/>
+        <a:font script="Orya" typeface="Kalinga"/>
+        <a:font script="Mlym" typeface="Kartika"/>
+        <a:font script="Laoo" typeface="DokChampa"/>
+        <a:font script="Sinh" typeface="Iskoola Pota"/>
+        <a:font script="Mong" typeface="Mongolian Baiti"/>
+        <a:font script="Viet" typeface="Arial"/>
+        <a:font script="Uigh" typeface="Microsoft Uighur"/>
+        <a:font script="Geor" typeface="Sylfaen"/>
+        <a:font script="Armn" typeface="Arial"/>
+        <a:font script="Bugi" typeface="Leelawadee UI"/>
+        <a:font script="Bopo" typeface="Microsoft JhengHei"/>
+        <a:font script="Java" typeface="Javanese Text"/>
+        <a:font script="Lisu" typeface="Segoe UI"/>
+        <a:font script="Mymr" typeface="Myanmar Text"/>
+        <a:font script="Nkoo" typeface="Ebrima"/>
+        <a:font script="Olck" typeface="Nirmala UI"/>
+        <a:font script="Osma" typeface="Ebrima"/>
+        <a:font script="Phag" typeface="Phagspa"/>
+        <a:font script="Syrn" typeface="Estrangelo Edessa"/>
+        <a:font script="Syrj" typeface="Estrangelo Edessa"/>
+        <a:font script="Syre" typeface="Estrangelo Edessa"/>
+        <a:font script="Sora" typeface="Nirmala UI"/>
+        <a:font script="Tale" typeface="Microsoft Tai Le"/>
+        <a:font script="Talu" typeface="Microsoft New Tai Lue"/>
+        <a:font script="Tfng" typeface="Ebrima"/>
+      </a:minorFont>
+    </a:fontScheme>
+    <a:fmtScheme name="Office">
+      <a:fillStyleLst>
+        <a:solidFill>
+          <a:schemeClr val="phClr"/>
+        </a:solidFill>
+        <a:gradFill rotWithShape="1">
+          <a:gsLst>
+            <a:gs pos="0">
+              <a:schemeClr val="phClr">
+                <a:lumMod val="110000"/>
+                <a:satMod val="105000"/>
+                <a:tint val="67000"/>
+              </a:schemeClr>
+            </a:gs>
+            <a:gs pos="50000">
+              <a:schemeClr val="phClr">
+                <a:lumMod val="105000"/>
+                <a:satMod val="103000"/>
+                <a:tint val="73000"/>
+              </a:schemeClr>
+            </a:gs>
+            <a:gs pos="100000">
+              <a:schemeClr val="phClr">
+                <a:lumMod val="105000"/>
+                <a:satMod val="109000"/>
+                <a:tint val="81000"/>
+              </a:schemeClr>
+            </a:gs>
+          </a:gsLst>
+          <a:lin ang="5400000" scaled="0"/>
+        </a:gradFill>
+        <a:gradFill rotWithShape="1">
+          <a:gsLst>
+            <a:gs pos="0">
+              <a:schemeClr val="phClr">
+                <a:satMod val="103000"/>
+                <a:lumMod val="102000"/>
+                <a:tint val="94000"/>
+              </a:schemeClr>
+            </a:gs>
+            <a:gs pos="50000">
+              <a:schemeClr val="phClr">
+                <a:satMod val="110000"/>
+                <a:lumMod val="100000"/>
+                <a:shade val="100000"/>
+              </a:schemeClr>
+            </a:gs>
+            <a:gs pos="100000">
+              <a:schemeClr val="phClr">
+                <a:lumMod val="99000"/>
+                <a:satMod val="120000"/>
+                <a:shade val="78000"/>
+              </a:schemeClr>
+            </a:gs>
+          </a:gsLst>
+          <a:lin ang="5400000" scaled="0"/>
+        </a:gradFill>
+      </a:fillStyleLst>
+      <a:lnStyleLst>
+        <a:ln w="6350" cap="flat" cmpd="sng" algn="ctr">
+          <a:solidFill>
+            <a:schemeClr val="phClr"/>
+          </a:solidFill>
+          <a:prstDash val="solid"/>
+          <a:miter lim="800000"/>
+        </a:ln>
+        <a:ln w="12700" cap="flat" cmpd="sng" algn="ctr">
+          <a:solidFill>
+            <a:schemeClr val="phClr"/>
+          </a:solidFill>
+          <a:prstDash val="solid"/>
+          <a:miter lim="800000"/>
+        </a:ln>
+        <a:ln w="19050" cap="flat" cmpd="sng" algn="ctr">
+          <a:solidFill>
+            <a:schemeClr val="phClr"/>
+          </a:solidFill>
+          <a:prstDash val="solid"/>
+          <a:miter lim="800000"/>
+        </a:ln>
+      </a:lnStyleLst>
+      <a:effectStyleLst>
+        <a:effectStyle>
+          <a:effectLst/>
+        </a:effectStyle>
+        <a:effectStyle>
+          <a:effectLst/>
+        </a:effectStyle>
+        <a:effectStyle>
+          <a:effectLst>
+            <a:outerShdw blurRad="57150" dist="19050" dir="5400000" algn="ctr" rotWithShape="0">
+              <a:srgbClr val="000000">
+                <a:alpha val="63000"/>
+              </a:srgbClr>
+            </a:outerShdw>
+          </a:effectLst>
+        </a:effectStyle>
+      </a:effectStyleLst>
+      <a:bgFillStyleLst>
+        <a:solidFill>
+          <a:schemeClr val="phClr"/>
+        </a:solidFill>
+        <a:solidFill>
+          <a:schemeClr val="phClr">
+            <a:tint val="95000"/>
+            <a:satMod val="170000"/>
+          </a:schemeClr>
+        </a:solidFill>
+        <a:gradFill rotWithShape="1">
+          <a:gsLst>
+            <a:gs pos="0">
+              <a:schemeClr val="phClr">
+                <a:tint val="93000"/>
+                <a:satMod val="150000"/>
+                <a:shade val="98000"/>
+                <a:lumMod val="102000"/>
+              </a:schemeClr>
+            </a:gs>
+            <a:gs pos="50000">
+              <a:schemeClr val="phClr">
+                <a:tint val="98000"/>
+                <a:satMod val="130000"/>
+                <a:shade val="90000"/>
+                <a:lumMod val="103000"/>
+              </a:schemeClr>
+            </a:gs>
+            <a:gs pos="100000">
+              <a:schemeClr val="phClr">
+                <a:shade val="63000"/>
+                <a:satMod val="120000"/>
+              </a:schemeClr>
+            </a:gs>
+          </a:gsLst>
+          <a:lin ang="5400000" scaled="0"/>
+        </a:gradFill>
+      </a:bgFillStyleLst>
+    </a:fmtScheme>
+  </a:themeElements>
+  <a:objectDefaults/>
+  <a:extraClrSchemeLst/>
+  <a:extLst>
+    <a:ext uri="{05A4C25C-085E-4340-85A3-A5531E510DB2}">
+      <thm15:themeFamily xmlns:thm15="http://schemas.microsoft.com/office/thememl/2012/main" name="Office Theme" id="{62F939B6-93AF-4DB8-9C6B-D6C7DFDC589F}" vid="{4A3C46E8-61CC-4603-A589-7422A47A8E4A}"/>
+    </a:ext>
+  </a:extLst>
+</a:theme>
 </file>